--- a/lessons/Nmix advanced.pptx
+++ b/lessons/Nmix advanced.pptx
@@ -9,15 +9,14 @@
     <p:sldId id="286" r:id="rId3"/>
     <p:sldId id="287" r:id="rId4"/>
     <p:sldId id="288" r:id="rId5"/>
-    <p:sldId id="289" r:id="rId6"/>
-    <p:sldId id="290" r:id="rId7"/>
-    <p:sldId id="277" r:id="rId8"/>
-    <p:sldId id="278" r:id="rId9"/>
-    <p:sldId id="280" r:id="rId10"/>
-    <p:sldId id="281" r:id="rId11"/>
-    <p:sldId id="279" r:id="rId12"/>
-    <p:sldId id="283" r:id="rId13"/>
-    <p:sldId id="282" r:id="rId14"/>
+    <p:sldId id="291" r:id="rId6"/>
+    <p:sldId id="289" r:id="rId7"/>
+    <p:sldId id="290" r:id="rId8"/>
+    <p:sldId id="277" r:id="rId9"/>
+    <p:sldId id="292" r:id="rId10"/>
+    <p:sldId id="293" r:id="rId11"/>
+    <p:sldId id="294" r:id="rId12"/>
+    <p:sldId id="295" r:id="rId13"/>
   </p:sldIdLst>
   <p:sldSz cx="12192000" cy="6858000"/>
   <p:notesSz cx="6858000" cy="9144000"/>
@@ -271,7 +270,7 @@
           <a:p>
             <a:fld id="{C34CCC82-2199-4FC4-B872-BE2E4B471F6F}" type="datetimeFigureOut">
               <a:rPr lang="en-US" smtClean="0"/>
-              <a:t>6/16/2020</a:t>
+              <a:t>7/14/2020</a:t>
             </a:fld>
             <a:endParaRPr lang="en-US"/>
           </a:p>
@@ -469,7 +468,7 @@
           <a:p>
             <a:fld id="{C34CCC82-2199-4FC4-B872-BE2E4B471F6F}" type="datetimeFigureOut">
               <a:rPr lang="en-US" smtClean="0"/>
-              <a:t>6/16/2020</a:t>
+              <a:t>7/14/2020</a:t>
             </a:fld>
             <a:endParaRPr lang="en-US"/>
           </a:p>
@@ -677,7 +676,7 @@
           <a:p>
             <a:fld id="{C34CCC82-2199-4FC4-B872-BE2E4B471F6F}" type="datetimeFigureOut">
               <a:rPr lang="en-US" smtClean="0"/>
-              <a:t>6/16/2020</a:t>
+              <a:t>7/14/2020</a:t>
             </a:fld>
             <a:endParaRPr lang="en-US"/>
           </a:p>
@@ -875,7 +874,7 @@
           <a:p>
             <a:fld id="{C34CCC82-2199-4FC4-B872-BE2E4B471F6F}" type="datetimeFigureOut">
               <a:rPr lang="en-US" smtClean="0"/>
-              <a:t>6/16/2020</a:t>
+              <a:t>7/14/2020</a:t>
             </a:fld>
             <a:endParaRPr lang="en-US"/>
           </a:p>
@@ -1150,7 +1149,7 @@
           <a:p>
             <a:fld id="{C34CCC82-2199-4FC4-B872-BE2E4B471F6F}" type="datetimeFigureOut">
               <a:rPr lang="en-US" smtClean="0"/>
-              <a:t>6/16/2020</a:t>
+              <a:t>7/14/2020</a:t>
             </a:fld>
             <a:endParaRPr lang="en-US"/>
           </a:p>
@@ -1415,7 +1414,7 @@
           <a:p>
             <a:fld id="{C34CCC82-2199-4FC4-B872-BE2E4B471F6F}" type="datetimeFigureOut">
               <a:rPr lang="en-US" smtClean="0"/>
-              <a:t>6/16/2020</a:t>
+              <a:t>7/14/2020</a:t>
             </a:fld>
             <a:endParaRPr lang="en-US"/>
           </a:p>
@@ -1827,7 +1826,7 @@
           <a:p>
             <a:fld id="{C34CCC82-2199-4FC4-B872-BE2E4B471F6F}" type="datetimeFigureOut">
               <a:rPr lang="en-US" smtClean="0"/>
-              <a:t>6/16/2020</a:t>
+              <a:t>7/14/2020</a:t>
             </a:fld>
             <a:endParaRPr lang="en-US"/>
           </a:p>
@@ -1968,7 +1967,7 @@
           <a:p>
             <a:fld id="{C34CCC82-2199-4FC4-B872-BE2E4B471F6F}" type="datetimeFigureOut">
               <a:rPr lang="en-US" smtClean="0"/>
-              <a:t>6/16/2020</a:t>
+              <a:t>7/14/2020</a:t>
             </a:fld>
             <a:endParaRPr lang="en-US"/>
           </a:p>
@@ -2081,7 +2080,7 @@
           <a:p>
             <a:fld id="{C34CCC82-2199-4FC4-B872-BE2E4B471F6F}" type="datetimeFigureOut">
               <a:rPr lang="en-US" smtClean="0"/>
-              <a:t>6/16/2020</a:t>
+              <a:t>7/14/2020</a:t>
             </a:fld>
             <a:endParaRPr lang="en-US"/>
           </a:p>
@@ -2392,7 +2391,7 @@
           <a:p>
             <a:fld id="{C34CCC82-2199-4FC4-B872-BE2E4B471F6F}" type="datetimeFigureOut">
               <a:rPr lang="en-US" smtClean="0"/>
-              <a:t>6/16/2020</a:t>
+              <a:t>7/14/2020</a:t>
             </a:fld>
             <a:endParaRPr lang="en-US"/>
           </a:p>
@@ -2680,7 +2679,7 @@
           <a:p>
             <a:fld id="{C34CCC82-2199-4FC4-B872-BE2E4B471F6F}" type="datetimeFigureOut">
               <a:rPr lang="en-US" smtClean="0"/>
-              <a:t>6/16/2020</a:t>
+              <a:t>7/14/2020</a:t>
             </a:fld>
             <a:endParaRPr lang="en-US"/>
           </a:p>
@@ -2921,7 +2920,7 @@
           <a:p>
             <a:fld id="{C34CCC82-2199-4FC4-B872-BE2E4B471F6F}" type="datetimeFigureOut">
               <a:rPr lang="en-US" smtClean="0"/>
-              <a:t>6/16/2020</a:t>
+              <a:t>7/14/2020</a:t>
             </a:fld>
             <a:endParaRPr lang="en-US"/>
           </a:p>
@@ -3401,7 +3400,7 @@
           <p:cNvPr id="2" name="Title 1">
             <a:extLst>
               <a:ext uri="{FF2B5EF4-FFF2-40B4-BE49-F238E27FC236}">
-                <a16:creationId xmlns:a16="http://schemas.microsoft.com/office/drawing/2014/main" id="{2FFD7B5E-7FD0-4D73-84B9-F7C9439C99C6}"/>
+                <a16:creationId xmlns:a16="http://schemas.microsoft.com/office/drawing/2014/main" id="{33656D27-90B7-41D9-8645-848A8CDC8D74}"/>
               </a:ext>
             </a:extLst>
           </p:cNvPr>
@@ -3419,7 +3418,7 @@
           <a:p>
             <a:r>
               <a:rPr lang="en-US" dirty="0"/>
-              <a:t>Open N-mixture</a:t>
+              <a:t>Different Types of Survey Data</a:t>
             </a:r>
           </a:p>
         </p:txBody>
@@ -3429,7 +3428,7 @@
           <p:cNvPr id="3" name="Content Placeholder 2">
             <a:extLst>
               <a:ext uri="{FF2B5EF4-FFF2-40B4-BE49-F238E27FC236}">
-                <a16:creationId xmlns:a16="http://schemas.microsoft.com/office/drawing/2014/main" id="{9EA45A95-C34A-44CA-899F-867879B5959A}"/>
+                <a16:creationId xmlns:a16="http://schemas.microsoft.com/office/drawing/2014/main" id="{8C5F5F2A-A874-41AD-8E64-4914083A27CC}"/>
               </a:ext>
             </a:extLst>
           </p:cNvPr>
@@ -3449,106 +3448,509 @@
           <a:p>
             <a:r>
               <a:rPr lang="en-US" sz="3200" dirty="0"/>
-              <a:t>N</a:t>
-            </a:r>
-            <a:r>
-              <a:rPr lang="en-US" sz="3200" baseline="-25000" dirty="0"/>
-              <a:t>i,1</a:t>
-            </a:r>
+              <a:t>Removal data</a:t>
+            </a:r>
+          </a:p>
+          <a:p>
+            <a:pPr lvl="1"/>
             <a:r>
               <a:rPr lang="en-US" sz="3200" dirty="0"/>
-              <a:t> ~ Poisson(</a:t>
-            </a:r>
-            <a:r>
-              <a:rPr lang="el-GR" sz="3200" dirty="0"/>
-              <a:t>λ</a:t>
-            </a:r>
-            <a:r>
-              <a:rPr lang="en-US" sz="3200" baseline="-25000" dirty="0" err="1"/>
-              <a:t>i</a:t>
-            </a:r>
-            <a:r>
-              <a:rPr lang="en-US" sz="3200" dirty="0"/>
-              <a:t>)</a:t>
-            </a:r>
-          </a:p>
-          <a:p>
+              <a:t>For birds, only counting new birds heard during point count</a:t>
+            </a:r>
+          </a:p>
+          <a:p>
+            <a:pPr marL="457200" lvl="1" indent="0">
+              <a:buNone/>
+            </a:pPr>
             <a:endParaRPr lang="en-US" sz="3200" dirty="0"/>
           </a:p>
-          <a:p>
-            <a:r>
-              <a:rPr lang="en-US" sz="3200" dirty="0"/>
-              <a:t>S</a:t>
-            </a:r>
-            <a:r>
-              <a:rPr lang="en-US" sz="3200" baseline="-25000" dirty="0"/>
-              <a:t>i,t</a:t>
-            </a:r>
-            <a:r>
-              <a:rPr lang="en-US" sz="3200" dirty="0"/>
-              <a:t>|N</a:t>
-            </a:r>
-            <a:r>
-              <a:rPr lang="en-US" sz="3200" baseline="-25000" dirty="0"/>
-              <a:t>i,t-1</a:t>
-            </a:r>
-            <a:r>
-              <a:rPr lang="en-US" sz="3200" dirty="0"/>
-              <a:t> ~ Binomial(N</a:t>
-            </a:r>
-            <a:r>
-              <a:rPr lang="en-US" sz="3200" baseline="-25000" dirty="0"/>
-              <a:t>i,t-1</a:t>
-            </a:r>
-            <a:r>
-              <a:rPr lang="en-US" sz="3200" dirty="0"/>
-              <a:t>,ω) </a:t>
-            </a:r>
-          </a:p>
-          <a:p>
-            <a:endParaRPr lang="en-US" sz="3200" dirty="0"/>
-          </a:p>
-          <a:p>
-            <a:r>
-              <a:rPr lang="en-US" sz="3200" dirty="0"/>
-              <a:t>G</a:t>
-            </a:r>
-            <a:r>
-              <a:rPr lang="en-US" sz="3200" baseline="-25000" dirty="0"/>
-              <a:t>i,t</a:t>
-            </a:r>
-            <a:r>
-              <a:rPr lang="en-US" sz="3200" dirty="0"/>
-              <a:t>|N</a:t>
-            </a:r>
-            <a:r>
-              <a:rPr lang="en-US" sz="3200" baseline="-25000" dirty="0"/>
-              <a:t>i,t-1</a:t>
-            </a:r>
-            <a:r>
-              <a:rPr lang="en-US" sz="3200" dirty="0"/>
-              <a:t> ~ Poisson(γ(N</a:t>
-            </a:r>
-            <a:r>
-              <a:rPr lang="en-US" sz="3200" baseline="-25000" dirty="0"/>
-              <a:t>i,t-1</a:t>
-            </a:r>
-            <a:r>
-              <a:rPr lang="en-US" sz="3200" dirty="0"/>
-              <a:t>))</a:t>
-            </a:r>
-          </a:p>
-          <a:p>
-            <a:endParaRPr lang="en-US" sz="3200" dirty="0"/>
-          </a:p>
-        </p:txBody>
-      </p:sp>
-      <p:sp>
-        <p:nvSpPr>
-          <p:cNvPr id="4" name="Arrow: Left 3">
-            <a:extLst>
-              <a:ext uri="{FF2B5EF4-FFF2-40B4-BE49-F238E27FC236}">
-                <a16:creationId xmlns:a16="http://schemas.microsoft.com/office/drawing/2014/main" id="{5D05C151-B6FF-4145-BE24-B153EE579D21}"/>
+        </p:txBody>
+      </p:sp>
+      <p:cxnSp>
+        <p:nvCxnSpPr>
+          <p:cNvPr id="5" name="Straight Connector 4">
+            <a:extLst>
+              <a:ext uri="{FF2B5EF4-FFF2-40B4-BE49-F238E27FC236}">
+                <a16:creationId xmlns:a16="http://schemas.microsoft.com/office/drawing/2014/main" id="{44C077DA-A816-4033-878E-47D22145BB8B}"/>
+              </a:ext>
+            </a:extLst>
+          </p:cNvPr>
+          <p:cNvCxnSpPr>
+            <a:stCxn id="3" idx="1"/>
+            <a:endCxn id="3" idx="3"/>
+          </p:cNvCxnSpPr>
+          <p:nvPr/>
+        </p:nvCxnSpPr>
+        <p:spPr>
+          <a:xfrm>
+            <a:off x="838200" y="4001294"/>
+            <a:ext cx="10515600" cy="0"/>
+          </a:xfrm>
+          <a:prstGeom prst="line">
+            <a:avLst/>
+          </a:prstGeom>
+          <a:ln w="38100"/>
+        </p:spPr>
+        <p:style>
+          <a:lnRef idx="1">
+            <a:schemeClr val="accent1"/>
+          </a:lnRef>
+          <a:fillRef idx="0">
+            <a:schemeClr val="accent1"/>
+          </a:fillRef>
+          <a:effectRef idx="0">
+            <a:schemeClr val="accent1"/>
+          </a:effectRef>
+          <a:fontRef idx="minor">
+            <a:schemeClr val="tx1"/>
+          </a:fontRef>
+        </p:style>
+      </p:cxnSp>
+      <p:cxnSp>
+        <p:nvCxnSpPr>
+          <p:cNvPr id="7" name="Straight Connector 6">
+            <a:extLst>
+              <a:ext uri="{FF2B5EF4-FFF2-40B4-BE49-F238E27FC236}">
+                <a16:creationId xmlns:a16="http://schemas.microsoft.com/office/drawing/2014/main" id="{260CEAE3-7783-4545-B401-998E205ADEFA}"/>
+              </a:ext>
+            </a:extLst>
+          </p:cNvPr>
+          <p:cNvCxnSpPr/>
+          <p:nvPr/>
+        </p:nvCxnSpPr>
+        <p:spPr>
+          <a:xfrm>
+            <a:off x="2729948" y="3737113"/>
+            <a:ext cx="0" cy="649357"/>
+          </a:xfrm>
+          <a:prstGeom prst="line">
+            <a:avLst/>
+          </a:prstGeom>
+        </p:spPr>
+        <p:style>
+          <a:lnRef idx="1">
+            <a:schemeClr val="accent1"/>
+          </a:lnRef>
+          <a:fillRef idx="0">
+            <a:schemeClr val="accent1"/>
+          </a:fillRef>
+          <a:effectRef idx="0">
+            <a:schemeClr val="accent1"/>
+          </a:effectRef>
+          <a:fontRef idx="minor">
+            <a:schemeClr val="tx1"/>
+          </a:fontRef>
+        </p:style>
+      </p:cxnSp>
+      <p:cxnSp>
+        <p:nvCxnSpPr>
+          <p:cNvPr id="8" name="Straight Connector 7">
+            <a:extLst>
+              <a:ext uri="{FF2B5EF4-FFF2-40B4-BE49-F238E27FC236}">
+                <a16:creationId xmlns:a16="http://schemas.microsoft.com/office/drawing/2014/main" id="{0D13EDE6-18F2-4E72-B622-A1E4DBBFCE8A}"/>
+              </a:ext>
+            </a:extLst>
+          </p:cNvPr>
+          <p:cNvCxnSpPr/>
+          <p:nvPr/>
+        </p:nvCxnSpPr>
+        <p:spPr>
+          <a:xfrm>
+            <a:off x="5665304" y="3737113"/>
+            <a:ext cx="0" cy="649357"/>
+          </a:xfrm>
+          <a:prstGeom prst="line">
+            <a:avLst/>
+          </a:prstGeom>
+        </p:spPr>
+        <p:style>
+          <a:lnRef idx="1">
+            <a:schemeClr val="accent1"/>
+          </a:lnRef>
+          <a:fillRef idx="0">
+            <a:schemeClr val="accent1"/>
+          </a:fillRef>
+          <a:effectRef idx="0">
+            <a:schemeClr val="accent1"/>
+          </a:effectRef>
+          <a:fontRef idx="minor">
+            <a:schemeClr val="tx1"/>
+          </a:fontRef>
+        </p:style>
+      </p:cxnSp>
+      <p:cxnSp>
+        <p:nvCxnSpPr>
+          <p:cNvPr id="9" name="Straight Connector 8">
+            <a:extLst>
+              <a:ext uri="{FF2B5EF4-FFF2-40B4-BE49-F238E27FC236}">
+                <a16:creationId xmlns:a16="http://schemas.microsoft.com/office/drawing/2014/main" id="{63AA0E91-58B7-4D0A-A68D-681AB523FDED}"/>
+              </a:ext>
+            </a:extLst>
+          </p:cNvPr>
+          <p:cNvCxnSpPr/>
+          <p:nvPr/>
+        </p:nvCxnSpPr>
+        <p:spPr>
+          <a:xfrm>
+            <a:off x="8527774" y="3737113"/>
+            <a:ext cx="0" cy="649357"/>
+          </a:xfrm>
+          <a:prstGeom prst="line">
+            <a:avLst/>
+          </a:prstGeom>
+        </p:spPr>
+        <p:style>
+          <a:lnRef idx="1">
+            <a:schemeClr val="accent1"/>
+          </a:lnRef>
+          <a:fillRef idx="0">
+            <a:schemeClr val="accent1"/>
+          </a:fillRef>
+          <a:effectRef idx="0">
+            <a:schemeClr val="accent1"/>
+          </a:effectRef>
+          <a:fontRef idx="minor">
+            <a:schemeClr val="tx1"/>
+          </a:fontRef>
+        </p:style>
+      </p:cxnSp>
+      <p:sp>
+        <p:nvSpPr>
+          <p:cNvPr id="10" name="TextBox 9">
+            <a:extLst>
+              <a:ext uri="{FF2B5EF4-FFF2-40B4-BE49-F238E27FC236}">
+                <a16:creationId xmlns:a16="http://schemas.microsoft.com/office/drawing/2014/main" id="{CEEDB269-7416-4F47-932E-5E53DF788C55}"/>
+              </a:ext>
+            </a:extLst>
+          </p:cNvPr>
+          <p:cNvSpPr txBox="1"/>
+          <p:nvPr/>
+        </p:nvSpPr>
+        <p:spPr>
+          <a:xfrm>
+            <a:off x="1313622" y="4080810"/>
+            <a:ext cx="940904" cy="369332"/>
+          </a:xfrm>
+          <a:prstGeom prst="rect">
+            <a:avLst/>
+          </a:prstGeom>
+          <a:noFill/>
+        </p:spPr>
+        <p:txBody>
+          <a:bodyPr wrap="square" rtlCol="0">
+            <a:spAutoFit/>
+          </a:bodyPr>
+          <a:lstStyle/>
+          <a:p>
+            <a:r>
+              <a:rPr lang="en-US" dirty="0"/>
+              <a:t>Min 1-3</a:t>
+            </a:r>
+          </a:p>
+        </p:txBody>
+      </p:sp>
+      <p:sp>
+        <p:nvSpPr>
+          <p:cNvPr id="11" name="TextBox 10">
+            <a:extLst>
+              <a:ext uri="{FF2B5EF4-FFF2-40B4-BE49-F238E27FC236}">
+                <a16:creationId xmlns:a16="http://schemas.microsoft.com/office/drawing/2014/main" id="{DBB50EF3-4C42-43A2-B891-CF225E4528DE}"/>
+              </a:ext>
+            </a:extLst>
+          </p:cNvPr>
+          <p:cNvSpPr txBox="1"/>
+          <p:nvPr/>
+        </p:nvSpPr>
+        <p:spPr>
+          <a:xfrm>
+            <a:off x="3690731" y="4080810"/>
+            <a:ext cx="940904" cy="369332"/>
+          </a:xfrm>
+          <a:prstGeom prst="rect">
+            <a:avLst/>
+          </a:prstGeom>
+          <a:noFill/>
+        </p:spPr>
+        <p:txBody>
+          <a:bodyPr wrap="square" rtlCol="0">
+            <a:spAutoFit/>
+          </a:bodyPr>
+          <a:lstStyle/>
+          <a:p>
+            <a:r>
+              <a:rPr lang="en-US" dirty="0"/>
+              <a:t>Min 4-6</a:t>
+            </a:r>
+          </a:p>
+        </p:txBody>
+      </p:sp>
+      <p:sp>
+        <p:nvSpPr>
+          <p:cNvPr id="12" name="TextBox 11">
+            <a:extLst>
+              <a:ext uri="{FF2B5EF4-FFF2-40B4-BE49-F238E27FC236}">
+                <a16:creationId xmlns:a16="http://schemas.microsoft.com/office/drawing/2014/main" id="{A8142338-40E3-421C-B5A7-07D9EC839F69}"/>
+              </a:ext>
+            </a:extLst>
+          </p:cNvPr>
+          <p:cNvSpPr txBox="1"/>
+          <p:nvPr/>
+        </p:nvSpPr>
+        <p:spPr>
+          <a:xfrm>
+            <a:off x="6626087" y="4080810"/>
+            <a:ext cx="940904" cy="369332"/>
+          </a:xfrm>
+          <a:prstGeom prst="rect">
+            <a:avLst/>
+          </a:prstGeom>
+          <a:noFill/>
+        </p:spPr>
+        <p:txBody>
+          <a:bodyPr wrap="square" rtlCol="0">
+            <a:spAutoFit/>
+          </a:bodyPr>
+          <a:lstStyle/>
+          <a:p>
+            <a:r>
+              <a:rPr lang="en-US" dirty="0"/>
+              <a:t>Min 7-9</a:t>
+            </a:r>
+          </a:p>
+        </p:txBody>
+      </p:sp>
+      <p:sp>
+        <p:nvSpPr>
+          <p:cNvPr id="13" name="TextBox 12">
+            <a:extLst>
+              <a:ext uri="{FF2B5EF4-FFF2-40B4-BE49-F238E27FC236}">
+                <a16:creationId xmlns:a16="http://schemas.microsoft.com/office/drawing/2014/main" id="{3E1D14CF-6C0E-4666-934B-0B336FFEC28B}"/>
+              </a:ext>
+            </a:extLst>
+          </p:cNvPr>
+          <p:cNvSpPr txBox="1"/>
+          <p:nvPr/>
+        </p:nvSpPr>
+        <p:spPr>
+          <a:xfrm>
+            <a:off x="9561442" y="4080810"/>
+            <a:ext cx="1027035" cy="369332"/>
+          </a:xfrm>
+          <a:prstGeom prst="rect">
+            <a:avLst/>
+          </a:prstGeom>
+          <a:noFill/>
+        </p:spPr>
+        <p:txBody>
+          <a:bodyPr wrap="square" rtlCol="0">
+            <a:spAutoFit/>
+          </a:bodyPr>
+          <a:lstStyle/>
+          <a:p>
+            <a:r>
+              <a:rPr lang="en-US" dirty="0"/>
+              <a:t>Min 9-11</a:t>
+            </a:r>
+          </a:p>
+        </p:txBody>
+      </p:sp>
+      <p:pic>
+        <p:nvPicPr>
+          <p:cNvPr id="15" name="Graphic 14" descr="Sparrow">
+            <a:extLst>
+              <a:ext uri="{FF2B5EF4-FFF2-40B4-BE49-F238E27FC236}">
+                <a16:creationId xmlns:a16="http://schemas.microsoft.com/office/drawing/2014/main" id="{61945163-F382-4777-855C-830C25EE49FF}"/>
+              </a:ext>
+            </a:extLst>
+          </p:cNvPr>
+          <p:cNvPicPr>
+            <a:picLocks noChangeAspect="1"/>
+          </p:cNvPicPr>
+          <p:nvPr/>
+        </p:nvPicPr>
+        <p:blipFill>
+          <a:blip r:embed="rId2">
+            <a:extLst>
+              <a:ext uri="{28A0092B-C50C-407E-A947-70E740481C1C}">
+                <a14:useLocalDpi xmlns:a14="http://schemas.microsoft.com/office/drawing/2010/main" val="0"/>
+              </a:ext>
+              <a:ext uri="{96DAC541-7B7A-43D3-8B79-37D633B846F1}">
+                <asvg:svgBlip xmlns:asvg="http://schemas.microsoft.com/office/drawing/2016/SVG/main" r:embed="rId3"/>
+              </a:ext>
+            </a:extLst>
+          </a:blip>
+          <a:stretch>
+            <a:fillRect/>
+          </a:stretch>
+        </p:blipFill>
+        <p:spPr>
+          <a:xfrm>
+            <a:off x="899491" y="3276635"/>
+            <a:ext cx="589722" cy="589722"/>
+          </a:xfrm>
+          <a:prstGeom prst="rect">
+            <a:avLst/>
+          </a:prstGeom>
+        </p:spPr>
+      </p:pic>
+      <p:pic>
+        <p:nvPicPr>
+          <p:cNvPr id="16" name="Graphic 15" descr="Sparrow">
+            <a:extLst>
+              <a:ext uri="{FF2B5EF4-FFF2-40B4-BE49-F238E27FC236}">
+                <a16:creationId xmlns:a16="http://schemas.microsoft.com/office/drawing/2014/main" id="{34714E67-023E-4159-8251-8B042241D27E}"/>
+              </a:ext>
+            </a:extLst>
+          </p:cNvPr>
+          <p:cNvPicPr>
+            <a:picLocks noChangeAspect="1"/>
+          </p:cNvPicPr>
+          <p:nvPr/>
+        </p:nvPicPr>
+        <p:blipFill>
+          <a:blip r:embed="rId4">
+            <a:extLst>
+              <a:ext uri="{28A0092B-C50C-407E-A947-70E740481C1C}">
+                <a14:useLocalDpi xmlns:a14="http://schemas.microsoft.com/office/drawing/2010/main" val="0"/>
+              </a:ext>
+              <a:ext uri="{96DAC541-7B7A-43D3-8B79-37D633B846F1}">
+                <asvg:svgBlip xmlns:asvg="http://schemas.microsoft.com/office/drawing/2016/SVG/main" r:embed="rId5"/>
+              </a:ext>
+            </a:extLst>
+          </a:blip>
+          <a:stretch>
+            <a:fillRect/>
+          </a:stretch>
+        </p:blipFill>
+        <p:spPr>
+          <a:xfrm>
+            <a:off x="1269723" y="3411572"/>
+            <a:ext cx="589722" cy="589722"/>
+          </a:xfrm>
+          <a:prstGeom prst="rect">
+            <a:avLst/>
+          </a:prstGeom>
+        </p:spPr>
+      </p:pic>
+      <p:pic>
+        <p:nvPicPr>
+          <p:cNvPr id="17" name="Graphic 16" descr="Sparrow">
+            <a:extLst>
+              <a:ext uri="{FF2B5EF4-FFF2-40B4-BE49-F238E27FC236}">
+                <a16:creationId xmlns:a16="http://schemas.microsoft.com/office/drawing/2014/main" id="{AF4BF25D-7A98-4436-BCB0-E66774F68540}"/>
+              </a:ext>
+            </a:extLst>
+          </p:cNvPr>
+          <p:cNvPicPr>
+            <a:picLocks noChangeAspect="1"/>
+          </p:cNvPicPr>
+          <p:nvPr/>
+        </p:nvPicPr>
+        <p:blipFill>
+          <a:blip r:embed="rId6">
+            <a:extLst>
+              <a:ext uri="{28A0092B-C50C-407E-A947-70E740481C1C}">
+                <a14:useLocalDpi xmlns:a14="http://schemas.microsoft.com/office/drawing/2010/main" val="0"/>
+              </a:ext>
+              <a:ext uri="{96DAC541-7B7A-43D3-8B79-37D633B846F1}">
+                <asvg:svgBlip xmlns:asvg="http://schemas.microsoft.com/office/drawing/2016/SVG/main" r:embed="rId7"/>
+              </a:ext>
+            </a:extLst>
+          </a:blip>
+          <a:stretch>
+            <a:fillRect/>
+          </a:stretch>
+        </p:blipFill>
+        <p:spPr>
+          <a:xfrm>
+            <a:off x="6331226" y="3332057"/>
+            <a:ext cx="589722" cy="589722"/>
+          </a:xfrm>
+          <a:prstGeom prst="rect">
+            <a:avLst/>
+          </a:prstGeom>
+        </p:spPr>
+      </p:pic>
+      <p:pic>
+        <p:nvPicPr>
+          <p:cNvPr id="18" name="Graphic 17" descr="Sparrow">
+            <a:extLst>
+              <a:ext uri="{FF2B5EF4-FFF2-40B4-BE49-F238E27FC236}">
+                <a16:creationId xmlns:a16="http://schemas.microsoft.com/office/drawing/2014/main" id="{BFAA6B28-1A12-447D-B1F7-EABF87ADBB67}"/>
+              </a:ext>
+            </a:extLst>
+          </p:cNvPr>
+          <p:cNvPicPr>
+            <a:picLocks noChangeAspect="1"/>
+          </p:cNvPicPr>
+          <p:nvPr/>
+        </p:nvPicPr>
+        <p:blipFill>
+          <a:blip r:embed="rId4">
+            <a:extLst>
+              <a:ext uri="{28A0092B-C50C-407E-A947-70E740481C1C}">
+                <a14:useLocalDpi xmlns:a14="http://schemas.microsoft.com/office/drawing/2010/main" val="0"/>
+              </a:ext>
+              <a:ext uri="{96DAC541-7B7A-43D3-8B79-37D633B846F1}">
+                <asvg:svgBlip xmlns:asvg="http://schemas.microsoft.com/office/drawing/2016/SVG/main" r:embed="rId5"/>
+              </a:ext>
+            </a:extLst>
+          </a:blip>
+          <a:stretch>
+            <a:fillRect/>
+          </a:stretch>
+        </p:blipFill>
+        <p:spPr>
+          <a:xfrm>
+            <a:off x="6698973" y="3466994"/>
+            <a:ext cx="589722" cy="589722"/>
+          </a:xfrm>
+          <a:prstGeom prst="rect">
+            <a:avLst/>
+          </a:prstGeom>
+        </p:spPr>
+      </p:pic>
+      <p:sp>
+        <p:nvSpPr>
+          <p:cNvPr id="19" name="TextBox 18">
+            <a:extLst>
+              <a:ext uri="{FF2B5EF4-FFF2-40B4-BE49-F238E27FC236}">
+                <a16:creationId xmlns:a16="http://schemas.microsoft.com/office/drawing/2014/main" id="{4BA8353D-F7B6-4FA9-A137-C3344CFA4B10}"/>
+              </a:ext>
+            </a:extLst>
+          </p:cNvPr>
+          <p:cNvSpPr txBox="1"/>
+          <p:nvPr/>
+        </p:nvSpPr>
+        <p:spPr>
+          <a:xfrm>
+            <a:off x="636104" y="5406887"/>
+            <a:ext cx="3674467" cy="523220"/>
+          </a:xfrm>
+          <a:prstGeom prst="rect">
+            <a:avLst/>
+          </a:prstGeom>
+          <a:noFill/>
+        </p:spPr>
+        <p:txBody>
+          <a:bodyPr wrap="none" rtlCol="0">
+            <a:spAutoFit/>
+          </a:bodyPr>
+          <a:lstStyle/>
+          <a:p>
+            <a:r>
+              <a:rPr lang="en-US" sz="2800" dirty="0"/>
+              <a:t>Encounter history: 2010</a:t>
+            </a:r>
+          </a:p>
+        </p:txBody>
+      </p:sp>
+      <p:sp>
+        <p:nvSpPr>
+          <p:cNvPr id="20" name="&quot;Not Allowed&quot; Symbol 19">
+            <a:extLst>
+              <a:ext uri="{FF2B5EF4-FFF2-40B4-BE49-F238E27FC236}">
+                <a16:creationId xmlns:a16="http://schemas.microsoft.com/office/drawing/2014/main" id="{65583CDE-7C11-4CC8-9C53-3C3C37D008BD}"/>
               </a:ext>
             </a:extLst>
           </p:cNvPr>
@@ -3557,12 +3959,18 @@
         </p:nvSpPr>
         <p:spPr>
           <a:xfrm>
-            <a:off x="4973216" y="1690688"/>
-            <a:ext cx="3041780" cy="774441"/>
+            <a:off x="6771860" y="3429000"/>
+            <a:ext cx="589722" cy="591239"/>
           </a:xfrm>
-          <a:prstGeom prst="leftArrow">
+          <a:prstGeom prst="noSmoking">
             <a:avLst/>
           </a:prstGeom>
+          <a:noFill/>
+          <a:ln w="3175">
+            <a:solidFill>
+              <a:srgbClr val="FF0000"/>
+            </a:solidFill>
+          </a:ln>
         </p:spPr>
         <p:style>
           <a:lnRef idx="2">
@@ -3585,115 +3993,18 @@
           <a:lstStyle/>
           <a:p>
             <a:pPr algn="ctr"/>
-            <a:r>
-              <a:rPr lang="en-US" dirty="0"/>
-              <a:t>Initial Abundance</a:t>
-            </a:r>
-          </a:p>
-        </p:txBody>
-      </p:sp>
-      <p:sp>
-        <p:nvSpPr>
-          <p:cNvPr id="5" name="Arrow: Left 4">
-            <a:extLst>
-              <a:ext uri="{FF2B5EF4-FFF2-40B4-BE49-F238E27FC236}">
-                <a16:creationId xmlns:a16="http://schemas.microsoft.com/office/drawing/2014/main" id="{8F098B04-C99C-4A37-AE8B-CE1AADC47DCD}"/>
-              </a:ext>
-            </a:extLst>
-          </p:cNvPr>
-          <p:cNvSpPr/>
-          <p:nvPr/>
-        </p:nvSpPr>
-        <p:spPr>
-          <a:xfrm>
-            <a:off x="6494106" y="2850794"/>
-            <a:ext cx="3041780" cy="774441"/>
-          </a:xfrm>
-          <a:prstGeom prst="leftArrow">
-            <a:avLst/>
-          </a:prstGeom>
-        </p:spPr>
-        <p:style>
-          <a:lnRef idx="2">
-            <a:schemeClr val="accent1">
-              <a:shade val="50000"/>
-            </a:schemeClr>
-          </a:lnRef>
-          <a:fillRef idx="1">
-            <a:schemeClr val="accent1"/>
-          </a:fillRef>
-          <a:effectRef idx="0">
-            <a:schemeClr val="accent1"/>
-          </a:effectRef>
-          <a:fontRef idx="minor">
-            <a:schemeClr val="lt1"/>
-          </a:fontRef>
-        </p:style>
-        <p:txBody>
-          <a:bodyPr rtlCol="0" anchor="ctr"/>
-          <a:lstStyle/>
-          <a:p>
-            <a:pPr algn="ctr"/>
-            <a:r>
-              <a:rPr lang="en-US" dirty="0"/>
-              <a:t># Surviving</a:t>
-            </a:r>
-          </a:p>
-        </p:txBody>
-      </p:sp>
-      <p:sp>
-        <p:nvSpPr>
-          <p:cNvPr id="6" name="Arrow: Left 5">
-            <a:extLst>
-              <a:ext uri="{FF2B5EF4-FFF2-40B4-BE49-F238E27FC236}">
-                <a16:creationId xmlns:a16="http://schemas.microsoft.com/office/drawing/2014/main" id="{6882C036-3F2D-4B7C-8B81-11860B3C0266}"/>
-              </a:ext>
-            </a:extLst>
-          </p:cNvPr>
-          <p:cNvSpPr/>
-          <p:nvPr/>
-        </p:nvSpPr>
-        <p:spPr>
-          <a:xfrm>
-            <a:off x="6494106" y="4001294"/>
-            <a:ext cx="3041780" cy="774441"/>
-          </a:xfrm>
-          <a:prstGeom prst="leftArrow">
-            <a:avLst/>
-          </a:prstGeom>
-        </p:spPr>
-        <p:style>
-          <a:lnRef idx="2">
-            <a:schemeClr val="accent1">
-              <a:shade val="50000"/>
-            </a:schemeClr>
-          </a:lnRef>
-          <a:fillRef idx="1">
-            <a:schemeClr val="accent1"/>
-          </a:fillRef>
-          <a:effectRef idx="0">
-            <a:schemeClr val="accent1"/>
-          </a:effectRef>
-          <a:fontRef idx="minor">
-            <a:schemeClr val="lt1"/>
-          </a:fontRef>
-        </p:style>
-        <p:txBody>
-          <a:bodyPr rtlCol="0" anchor="ctr"/>
-          <a:lstStyle/>
-          <a:p>
-            <a:pPr algn="ctr"/>
-            <a:r>
-              <a:rPr lang="en-US" dirty="0"/>
-              <a:t># Recruited</a:t>
-            </a:r>
+            <a:endParaRPr lang="en-US">
+              <a:solidFill>
+                <a:schemeClr val="tx1"/>
+              </a:solidFill>
+            </a:endParaRPr>
           </a:p>
         </p:txBody>
       </p:sp>
     </p:spTree>
     <p:extLst>
       <p:ext uri="{BB962C8B-B14F-4D97-AF65-F5344CB8AC3E}">
-        <p14:creationId xmlns:p14="http://schemas.microsoft.com/office/powerpoint/2010/main" val="2577201874"/>
+        <p14:creationId xmlns:p14="http://schemas.microsoft.com/office/powerpoint/2010/main" val="625758527"/>
       </p:ext>
     </p:extLst>
   </p:cSld>
@@ -3725,7 +4036,7 @@
           <p:cNvPr id="2" name="Title 1">
             <a:extLst>
               <a:ext uri="{FF2B5EF4-FFF2-40B4-BE49-F238E27FC236}">
-                <a16:creationId xmlns:a16="http://schemas.microsoft.com/office/drawing/2014/main" id="{2FFD7B5E-7FD0-4D73-84B9-F7C9439C99C6}"/>
+                <a16:creationId xmlns:a16="http://schemas.microsoft.com/office/drawing/2014/main" id="{72128A56-8331-4A7F-A8DF-B90043BEDE44}"/>
               </a:ext>
             </a:extLst>
           </p:cNvPr>
@@ -3743,7 +4054,7 @@
           <a:p>
             <a:r>
               <a:rPr lang="en-US" dirty="0"/>
-              <a:t>Open N-mixture</a:t>
+              <a:t>Multinomial Detection Probabilities</a:t>
             </a:r>
           </a:p>
         </p:txBody>
@@ -3753,7 +4064,7 @@
           <p:cNvPr id="3" name="Content Placeholder 2">
             <a:extLst>
               <a:ext uri="{FF2B5EF4-FFF2-40B4-BE49-F238E27FC236}">
-                <a16:creationId xmlns:a16="http://schemas.microsoft.com/office/drawing/2014/main" id="{9EA45A95-C34A-44CA-899F-867879B5959A}"/>
+                <a16:creationId xmlns:a16="http://schemas.microsoft.com/office/drawing/2014/main" id="{AD5EC905-9C10-4F80-9FBF-41F5FEA82834}"/>
               </a:ext>
             </a:extLst>
           </p:cNvPr>
@@ -3773,327 +4084,89 @@
           <a:p>
             <a:r>
               <a:rPr lang="en-US" sz="3200" dirty="0"/>
-              <a:t>N</a:t>
-            </a:r>
-            <a:r>
-              <a:rPr lang="en-US" sz="3200" baseline="-25000" dirty="0"/>
-              <a:t>i,1</a:t>
-            </a:r>
+              <a:t>Observation model is multinomial for removal sampling</a:t>
+            </a:r>
+          </a:p>
+          <a:p>
             <a:r>
               <a:rPr lang="en-US" sz="3200" dirty="0"/>
-              <a:t> ~ Poisson(</a:t>
-            </a:r>
-            <a:r>
-              <a:rPr lang="el-GR" sz="3200" dirty="0"/>
-              <a:t>λ</a:t>
-            </a:r>
-            <a:r>
-              <a:rPr lang="en-US" sz="3200" baseline="-25000" dirty="0" err="1"/>
-              <a:t>i</a:t>
-            </a:r>
-            <a:r>
-              <a:rPr lang="en-US" sz="3200" dirty="0"/>
-              <a:t>)</a:t>
-            </a:r>
-          </a:p>
-          <a:p>
-            <a:endParaRPr lang="en-US" sz="3200" dirty="0"/>
-          </a:p>
-          <a:p>
-            <a:r>
-              <a:rPr lang="en-US" sz="3200" dirty="0"/>
-              <a:t>S</a:t>
-            </a:r>
-            <a:r>
-              <a:rPr lang="en-US" sz="3200" baseline="-25000" dirty="0"/>
-              <a:t>i,t</a:t>
-            </a:r>
-            <a:r>
-              <a:rPr lang="en-US" sz="3200" dirty="0"/>
-              <a:t>|N</a:t>
-            </a:r>
-            <a:r>
-              <a:rPr lang="en-US" sz="3200" baseline="-25000" dirty="0"/>
-              <a:t>i,t-1</a:t>
-            </a:r>
-            <a:r>
-              <a:rPr lang="en-US" sz="3200" dirty="0"/>
-              <a:t> ~ Binomial(N</a:t>
-            </a:r>
-            <a:r>
-              <a:rPr lang="en-US" sz="3200" baseline="-25000" dirty="0"/>
-              <a:t>i,t-1</a:t>
-            </a:r>
-            <a:r>
-              <a:rPr lang="en-US" sz="3200" dirty="0"/>
-              <a:t>,ω) </a:t>
-            </a:r>
-          </a:p>
-          <a:p>
-            <a:endParaRPr lang="en-US" sz="3200" dirty="0"/>
-          </a:p>
-          <a:p>
-            <a:r>
-              <a:rPr lang="en-US" sz="3200" dirty="0"/>
-              <a:t>G</a:t>
-            </a:r>
-            <a:r>
-              <a:rPr lang="en-US" sz="3200" baseline="-25000" dirty="0"/>
-              <a:t>i,t</a:t>
-            </a:r>
-            <a:r>
-              <a:rPr lang="en-US" sz="3200" dirty="0"/>
-              <a:t>|N</a:t>
-            </a:r>
-            <a:r>
-              <a:rPr lang="en-US" sz="3200" baseline="-25000" dirty="0"/>
-              <a:t>i,t-1</a:t>
-            </a:r>
-            <a:r>
-              <a:rPr lang="en-US" sz="3200" dirty="0"/>
-              <a:t> ~ Poisson(γ(N</a:t>
-            </a:r>
-            <a:r>
-              <a:rPr lang="en-US" sz="3200" baseline="-25000" dirty="0"/>
-              <a:t>i,t-1</a:t>
-            </a:r>
-            <a:r>
-              <a:rPr lang="en-US" sz="3200" dirty="0"/>
-              <a:t>))</a:t>
-            </a:r>
-          </a:p>
-          <a:p>
-            <a:endParaRPr lang="en-US" sz="3200" dirty="0"/>
-          </a:p>
-          <a:p>
-            <a:r>
-              <a:rPr lang="en-US" sz="3200" dirty="0" err="1"/>
-              <a:t>N</a:t>
-            </a:r>
-            <a:r>
-              <a:rPr lang="en-US" sz="3200" baseline="-25000" dirty="0" err="1"/>
-              <a:t>i,t</a:t>
-            </a:r>
-            <a:r>
-              <a:rPr lang="en-US" sz="3200" dirty="0"/>
-              <a:t> = </a:t>
-            </a:r>
-            <a:r>
-              <a:rPr lang="en-US" sz="3200" dirty="0" err="1"/>
-              <a:t>S</a:t>
-            </a:r>
-            <a:r>
-              <a:rPr lang="en-US" sz="3200" baseline="-25000" dirty="0" err="1"/>
-              <a:t>i,t</a:t>
-            </a:r>
-            <a:r>
-              <a:rPr lang="en-US" sz="3200" dirty="0"/>
-              <a:t> + </a:t>
-            </a:r>
-            <a:r>
-              <a:rPr lang="en-US" sz="3200" dirty="0" err="1"/>
-              <a:t>G</a:t>
-            </a:r>
-            <a:r>
-              <a:rPr lang="en-US" sz="3200" baseline="-25000" dirty="0" err="1"/>
-              <a:t>i,t</a:t>
-            </a:r>
-            <a:endParaRPr lang="en-US" sz="3200" dirty="0"/>
-          </a:p>
-        </p:txBody>
-      </p:sp>
-      <p:sp>
-        <p:nvSpPr>
-          <p:cNvPr id="5" name="Arrow: Left 4">
-            <a:extLst>
-              <a:ext uri="{FF2B5EF4-FFF2-40B4-BE49-F238E27FC236}">
-                <a16:creationId xmlns:a16="http://schemas.microsoft.com/office/drawing/2014/main" id="{EAE2D901-0ECC-4EC1-81E5-6B037AE302FA}"/>
-              </a:ext>
-            </a:extLst>
-          </p:cNvPr>
-          <p:cNvSpPr/>
-          <p:nvPr/>
-        </p:nvSpPr>
-        <p:spPr>
-          <a:xfrm>
-            <a:off x="4973216" y="1690688"/>
-            <a:ext cx="3041780" cy="774441"/>
-          </a:xfrm>
-          <a:prstGeom prst="leftArrow">
-            <a:avLst/>
-          </a:prstGeom>
-        </p:spPr>
-        <p:style>
-          <a:lnRef idx="2">
-            <a:schemeClr val="accent1">
-              <a:shade val="50000"/>
-            </a:schemeClr>
-          </a:lnRef>
-          <a:fillRef idx="1">
-            <a:schemeClr val="accent1"/>
-          </a:fillRef>
-          <a:effectRef idx="0">
-            <a:schemeClr val="accent1"/>
-          </a:effectRef>
-          <a:fontRef idx="minor">
-            <a:schemeClr val="lt1"/>
-          </a:fontRef>
-        </p:style>
-        <p:txBody>
-          <a:bodyPr rtlCol="0" anchor="ctr"/>
-          <a:lstStyle/>
-          <a:p>
-            <a:pPr algn="ctr"/>
-            <a:r>
-              <a:rPr lang="en-US" dirty="0"/>
-              <a:t>Initial Abundance</a:t>
-            </a:r>
-          </a:p>
-        </p:txBody>
-      </p:sp>
-      <p:sp>
-        <p:nvSpPr>
-          <p:cNvPr id="6" name="Arrow: Left 5">
-            <a:extLst>
-              <a:ext uri="{FF2B5EF4-FFF2-40B4-BE49-F238E27FC236}">
-                <a16:creationId xmlns:a16="http://schemas.microsoft.com/office/drawing/2014/main" id="{D0A2032F-EF41-4F46-B026-C81A4879AACB}"/>
-              </a:ext>
-            </a:extLst>
-          </p:cNvPr>
-          <p:cNvSpPr/>
-          <p:nvPr/>
-        </p:nvSpPr>
-        <p:spPr>
-          <a:xfrm>
-            <a:off x="6494106" y="2850794"/>
-            <a:ext cx="3041780" cy="774441"/>
-          </a:xfrm>
-          <a:prstGeom prst="leftArrow">
-            <a:avLst/>
-          </a:prstGeom>
-        </p:spPr>
-        <p:style>
-          <a:lnRef idx="2">
-            <a:schemeClr val="accent1">
-              <a:shade val="50000"/>
-            </a:schemeClr>
-          </a:lnRef>
-          <a:fillRef idx="1">
-            <a:schemeClr val="accent1"/>
-          </a:fillRef>
-          <a:effectRef idx="0">
-            <a:schemeClr val="accent1"/>
-          </a:effectRef>
-          <a:fontRef idx="minor">
-            <a:schemeClr val="lt1"/>
-          </a:fontRef>
-        </p:style>
-        <p:txBody>
-          <a:bodyPr rtlCol="0" anchor="ctr"/>
-          <a:lstStyle/>
-          <a:p>
-            <a:pPr algn="ctr"/>
-            <a:r>
-              <a:rPr lang="en-US" dirty="0"/>
-              <a:t># Surviving</a:t>
-            </a:r>
-          </a:p>
-        </p:txBody>
-      </p:sp>
-      <p:sp>
-        <p:nvSpPr>
-          <p:cNvPr id="7" name="Arrow: Left 6">
-            <a:extLst>
-              <a:ext uri="{FF2B5EF4-FFF2-40B4-BE49-F238E27FC236}">
-                <a16:creationId xmlns:a16="http://schemas.microsoft.com/office/drawing/2014/main" id="{BBC25A2F-6B6E-4850-ABEC-FD85269291B4}"/>
-              </a:ext>
-            </a:extLst>
-          </p:cNvPr>
-          <p:cNvSpPr/>
-          <p:nvPr/>
-        </p:nvSpPr>
-        <p:spPr>
-          <a:xfrm>
-            <a:off x="6494106" y="4001294"/>
-            <a:ext cx="3041780" cy="774441"/>
-          </a:xfrm>
-          <a:prstGeom prst="leftArrow">
-            <a:avLst/>
-          </a:prstGeom>
-        </p:spPr>
-        <p:style>
-          <a:lnRef idx="2">
-            <a:schemeClr val="accent1">
-              <a:shade val="50000"/>
-            </a:schemeClr>
-          </a:lnRef>
-          <a:fillRef idx="1">
-            <a:schemeClr val="accent1"/>
-          </a:fillRef>
-          <a:effectRef idx="0">
-            <a:schemeClr val="accent1"/>
-          </a:effectRef>
-          <a:fontRef idx="minor">
-            <a:schemeClr val="lt1"/>
-          </a:fontRef>
-        </p:style>
-        <p:txBody>
-          <a:bodyPr rtlCol="0" anchor="ctr"/>
-          <a:lstStyle/>
-          <a:p>
-            <a:pPr algn="ctr"/>
-            <a:r>
-              <a:rPr lang="en-US" dirty="0"/>
-              <a:t># Recruited</a:t>
-            </a:r>
-          </a:p>
-        </p:txBody>
-      </p:sp>
-      <p:sp>
-        <p:nvSpPr>
-          <p:cNvPr id="8" name="Arrow: Left 7">
-            <a:extLst>
-              <a:ext uri="{FF2B5EF4-FFF2-40B4-BE49-F238E27FC236}">
-                <a16:creationId xmlns:a16="http://schemas.microsoft.com/office/drawing/2014/main" id="{568C9213-EA6E-4242-B0B2-BAAF0B0AC86F}"/>
-              </a:ext>
-            </a:extLst>
-          </p:cNvPr>
-          <p:cNvSpPr/>
-          <p:nvPr/>
-        </p:nvSpPr>
-        <p:spPr>
-          <a:xfrm>
-            <a:off x="6494106" y="5151794"/>
-            <a:ext cx="3041780" cy="774441"/>
-          </a:xfrm>
-          <a:prstGeom prst="leftArrow">
-            <a:avLst/>
-          </a:prstGeom>
-        </p:spPr>
-        <p:style>
-          <a:lnRef idx="2">
-            <a:schemeClr val="accent1">
-              <a:shade val="50000"/>
-            </a:schemeClr>
-          </a:lnRef>
-          <a:fillRef idx="1">
-            <a:schemeClr val="accent1"/>
-          </a:fillRef>
-          <a:effectRef idx="0">
-            <a:schemeClr val="accent1"/>
-          </a:effectRef>
-          <a:fontRef idx="minor">
-            <a:schemeClr val="lt1"/>
-          </a:fontRef>
-        </p:style>
-        <p:txBody>
-          <a:bodyPr rtlCol="0" anchor="ctr"/>
-          <a:lstStyle/>
-          <a:p>
-            <a:pPr algn="ctr"/>
-            <a:r>
-              <a:rPr lang="en-US" dirty="0"/>
-              <a:t>Total Abundance</a:t>
+              <a:t>We instead of removal frequencies for each sampling period</a:t>
+            </a:r>
+          </a:p>
+          <a:p>
+            <a:pPr lvl="1"/>
+            <a:r>
+              <a:rPr lang="en-US" sz="2800" dirty="0"/>
+              <a:t>π</a:t>
+            </a:r>
+            <a:r>
+              <a:rPr lang="en-US" sz="2800" baseline="-25000" dirty="0"/>
+              <a:t>1</a:t>
+            </a:r>
+            <a:r>
+              <a:rPr lang="en-US" sz="2800" dirty="0"/>
+              <a:t> = p</a:t>
+            </a:r>
+          </a:p>
+          <a:p>
+            <a:pPr lvl="1"/>
+            <a:r>
+              <a:rPr lang="en-US" sz="2800" dirty="0"/>
+              <a:t>π</a:t>
+            </a:r>
+            <a:r>
+              <a:rPr lang="en-US" sz="2800" baseline="-25000" dirty="0"/>
+              <a:t>2</a:t>
+            </a:r>
+            <a:r>
+              <a:rPr lang="en-US" sz="2800" dirty="0"/>
+              <a:t> = (1-p)p</a:t>
+            </a:r>
+          </a:p>
+          <a:p>
+            <a:pPr lvl="1"/>
+            <a:r>
+              <a:rPr lang="en-US" sz="2800" dirty="0"/>
+              <a:t>π</a:t>
+            </a:r>
+            <a:r>
+              <a:rPr lang="en-US" sz="2800" baseline="-25000" dirty="0"/>
+              <a:t>3</a:t>
+            </a:r>
+            <a:r>
+              <a:rPr lang="en-US" sz="2800" dirty="0"/>
+              <a:t> = (1-p)</a:t>
+            </a:r>
+            <a:r>
+              <a:rPr lang="en-US" sz="2800" baseline="30000" dirty="0"/>
+              <a:t>2</a:t>
+            </a:r>
+            <a:r>
+              <a:rPr lang="en-US" sz="2800" dirty="0"/>
+              <a:t>p</a:t>
+            </a:r>
+          </a:p>
+          <a:p>
+            <a:pPr lvl="1"/>
+            <a:r>
+              <a:rPr lang="en-US" sz="2800" dirty="0"/>
+              <a:t>π</a:t>
+            </a:r>
+            <a:r>
+              <a:rPr lang="en-US" sz="2800" baseline="-25000" dirty="0"/>
+              <a:t>4</a:t>
+            </a:r>
+            <a:r>
+              <a:rPr lang="en-US" sz="2800" dirty="0"/>
+              <a:t> = (1-p)</a:t>
+            </a:r>
+            <a:r>
+              <a:rPr lang="en-US" sz="2800" baseline="30000" dirty="0"/>
+              <a:t>3</a:t>
+            </a:r>
+            <a:r>
+              <a:rPr lang="en-US" sz="2800" dirty="0"/>
+              <a:t>p</a:t>
             </a:r>
           </a:p>
         </p:txBody>
@@ -4101,7 +4174,7 @@
     </p:spTree>
     <p:extLst>
       <p:ext uri="{BB962C8B-B14F-4D97-AF65-F5344CB8AC3E}">
-        <p14:creationId xmlns:p14="http://schemas.microsoft.com/office/powerpoint/2010/main" val="390153816"/>
+        <p14:creationId xmlns:p14="http://schemas.microsoft.com/office/powerpoint/2010/main" val="3818757792"/>
       </p:ext>
     </p:extLst>
   </p:cSld>
@@ -4133,7 +4206,7 @@
           <p:cNvPr id="2" name="Title 1">
             <a:extLst>
               <a:ext uri="{FF2B5EF4-FFF2-40B4-BE49-F238E27FC236}">
-                <a16:creationId xmlns:a16="http://schemas.microsoft.com/office/drawing/2014/main" id="{2FFD7B5E-7FD0-4D73-84B9-F7C9439C99C6}"/>
+                <a16:creationId xmlns:a16="http://schemas.microsoft.com/office/drawing/2014/main" id="{72128A56-8331-4A7F-A8DF-B90043BEDE44}"/>
               </a:ext>
             </a:extLst>
           </p:cNvPr>
@@ -4151,7 +4224,7 @@
           <a:p>
             <a:r>
               <a:rPr lang="en-US" dirty="0"/>
-              <a:t>Open N-mixture</a:t>
+              <a:t>Multinomial Detection Probabilities</a:t>
             </a:r>
           </a:p>
         </p:txBody>
@@ -4161,7 +4234,7 @@
           <p:cNvPr id="3" name="Content Placeholder 2">
             <a:extLst>
               <a:ext uri="{FF2B5EF4-FFF2-40B4-BE49-F238E27FC236}">
-                <a16:creationId xmlns:a16="http://schemas.microsoft.com/office/drawing/2014/main" id="{9EA45A95-C34A-44CA-899F-867879B5959A}"/>
+                <a16:creationId xmlns:a16="http://schemas.microsoft.com/office/drawing/2014/main" id="{AD5EC905-9C10-4F80-9FBF-41F5FEA82834}"/>
               </a:ext>
             </a:extLst>
           </p:cNvPr>
@@ -4172,12 +4245,7 @@
             <p:ph idx="1"/>
           </p:nvPr>
         </p:nvSpPr>
-        <p:spPr>
-          <a:xfrm>
-            <a:off x="838200" y="1825625"/>
-            <a:ext cx="10515600" cy="4743126"/>
-          </a:xfrm>
-        </p:spPr>
+        <p:spPr/>
         <p:txBody>
           <a:bodyPr>
             <a:normAutofit/>
@@ -4186,479 +4254,16 @@
           <a:p>
             <a:r>
               <a:rPr lang="en-US" sz="3200" dirty="0"/>
-              <a:t>N</a:t>
-            </a:r>
-            <a:r>
-              <a:rPr lang="en-US" sz="3200" baseline="-25000" dirty="0"/>
-              <a:t>i,1</a:t>
-            </a:r>
-            <a:r>
-              <a:rPr lang="en-US" sz="3200" dirty="0"/>
-              <a:t> ~ Poisson(</a:t>
-            </a:r>
-            <a:r>
-              <a:rPr lang="el-GR" sz="3200" dirty="0"/>
-              <a:t>λ</a:t>
-            </a:r>
-            <a:r>
-              <a:rPr lang="en-US" sz="3200" baseline="-25000" dirty="0" err="1"/>
-              <a:t>i</a:t>
-            </a:r>
-            <a:r>
-              <a:rPr lang="en-US" sz="3200" dirty="0"/>
-              <a:t>)</a:t>
-            </a:r>
-          </a:p>
-          <a:p>
-            <a:endParaRPr lang="en-US" sz="3200" dirty="0"/>
-          </a:p>
-          <a:p>
-            <a:r>
-              <a:rPr lang="en-US" sz="3200" dirty="0"/>
-              <a:t>S</a:t>
-            </a:r>
-            <a:r>
-              <a:rPr lang="en-US" sz="3200" baseline="-25000" dirty="0"/>
-              <a:t>i,t</a:t>
-            </a:r>
-            <a:r>
-              <a:rPr lang="en-US" sz="3200" dirty="0"/>
-              <a:t>|N</a:t>
-            </a:r>
-            <a:r>
-              <a:rPr lang="en-US" sz="3200" baseline="-25000" dirty="0"/>
-              <a:t>i,t-1</a:t>
-            </a:r>
-            <a:r>
-              <a:rPr lang="en-US" sz="3200" dirty="0"/>
-              <a:t> ~ Binomial(N</a:t>
-            </a:r>
-            <a:r>
-              <a:rPr lang="en-US" sz="3200" baseline="-25000" dirty="0"/>
-              <a:t>i,t-1</a:t>
-            </a:r>
-            <a:r>
-              <a:rPr lang="en-US" sz="3200" dirty="0"/>
-              <a:t>,ω) </a:t>
-            </a:r>
-          </a:p>
-          <a:p>
-            <a:endParaRPr lang="en-US" sz="3200" dirty="0"/>
-          </a:p>
-          <a:p>
-            <a:r>
-              <a:rPr lang="en-US" sz="3200" dirty="0"/>
-              <a:t>G</a:t>
-            </a:r>
-            <a:r>
-              <a:rPr lang="en-US" sz="3200" baseline="-25000" dirty="0"/>
-              <a:t>i,t</a:t>
-            </a:r>
-            <a:r>
-              <a:rPr lang="en-US" sz="3200" dirty="0"/>
-              <a:t>|N</a:t>
-            </a:r>
-            <a:r>
-              <a:rPr lang="en-US" sz="3200" baseline="-25000" dirty="0"/>
-              <a:t>i,t-1</a:t>
-            </a:r>
-            <a:r>
-              <a:rPr lang="en-US" sz="3200" dirty="0"/>
-              <a:t> ~ Poisson(γ(N</a:t>
-            </a:r>
-            <a:r>
-              <a:rPr lang="en-US" sz="3200" baseline="-25000" dirty="0"/>
-              <a:t>i,t-1</a:t>
-            </a:r>
-            <a:r>
-              <a:rPr lang="en-US" sz="3200" dirty="0"/>
-              <a:t>))</a:t>
-            </a:r>
-          </a:p>
-          <a:p>
-            <a:endParaRPr lang="en-US" sz="3200" dirty="0"/>
-          </a:p>
-          <a:p>
-            <a:r>
-              <a:rPr lang="en-US" sz="3200" dirty="0" err="1"/>
-              <a:t>N</a:t>
-            </a:r>
-            <a:r>
-              <a:rPr lang="en-US" sz="3200" baseline="-25000" dirty="0" err="1"/>
-              <a:t>i,t</a:t>
-            </a:r>
-            <a:r>
-              <a:rPr lang="en-US" sz="3200" dirty="0"/>
-              <a:t> = </a:t>
-            </a:r>
-            <a:r>
-              <a:rPr lang="en-US" sz="3200" dirty="0" err="1"/>
-              <a:t>S</a:t>
-            </a:r>
-            <a:r>
-              <a:rPr lang="en-US" sz="3200" baseline="-25000" dirty="0" err="1"/>
-              <a:t>i,t</a:t>
-            </a:r>
-            <a:r>
-              <a:rPr lang="en-US" sz="3200" dirty="0"/>
-              <a:t> + </a:t>
-            </a:r>
-            <a:r>
-              <a:rPr lang="en-US" sz="3200" dirty="0" err="1"/>
-              <a:t>G</a:t>
-            </a:r>
-            <a:r>
-              <a:rPr lang="en-US" sz="3200" baseline="-25000" dirty="0" err="1"/>
-              <a:t>i,t</a:t>
-            </a:r>
-            <a:endParaRPr lang="en-US" sz="3200" baseline="-25000" dirty="0"/>
-          </a:p>
-          <a:p>
-            <a:r>
-              <a:rPr lang="en-US" sz="3200" dirty="0" err="1"/>
-              <a:t>X</a:t>
-            </a:r>
-            <a:r>
-              <a:rPr lang="en-US" sz="3200" baseline="-25000" dirty="0" err="1"/>
-              <a:t>i,t</a:t>
-            </a:r>
-            <a:r>
-              <a:rPr lang="en-US" sz="3200" dirty="0"/>
-              <a:t> ~ Bin(</a:t>
-            </a:r>
-            <a:r>
-              <a:rPr lang="en-US" sz="3200" i="1" dirty="0" err="1"/>
-              <a:t>N</a:t>
-            </a:r>
-            <a:r>
-              <a:rPr lang="en-US" sz="3200" i="1" baseline="-25000" dirty="0" err="1"/>
-              <a:t>i,t</a:t>
-            </a:r>
-            <a:r>
-              <a:rPr lang="en-US" sz="3200" i="1" dirty="0" err="1"/>
-              <a:t>,p</a:t>
-            </a:r>
-            <a:r>
-              <a:rPr lang="en-US" sz="3200" dirty="0"/>
-              <a:t>)</a:t>
-            </a:r>
-          </a:p>
-          <a:p>
-            <a:endParaRPr lang="en-US" sz="3200" dirty="0"/>
-          </a:p>
-        </p:txBody>
-      </p:sp>
-      <p:sp>
-        <p:nvSpPr>
-          <p:cNvPr id="5" name="Arrow: Left 4">
-            <a:extLst>
-              <a:ext uri="{FF2B5EF4-FFF2-40B4-BE49-F238E27FC236}">
-                <a16:creationId xmlns:a16="http://schemas.microsoft.com/office/drawing/2014/main" id="{EAE2D901-0ECC-4EC1-81E5-6B037AE302FA}"/>
-              </a:ext>
-            </a:extLst>
-          </p:cNvPr>
-          <p:cNvSpPr/>
-          <p:nvPr/>
-        </p:nvSpPr>
-        <p:spPr>
-          <a:xfrm>
-            <a:off x="4973216" y="1690688"/>
-            <a:ext cx="3041780" cy="774441"/>
-          </a:xfrm>
-          <a:prstGeom prst="leftArrow">
-            <a:avLst/>
-          </a:prstGeom>
-        </p:spPr>
-        <p:style>
-          <a:lnRef idx="2">
-            <a:schemeClr val="accent1">
-              <a:shade val="50000"/>
-            </a:schemeClr>
-          </a:lnRef>
-          <a:fillRef idx="1">
-            <a:schemeClr val="accent1"/>
-          </a:fillRef>
-          <a:effectRef idx="0">
-            <a:schemeClr val="accent1"/>
-          </a:effectRef>
-          <a:fontRef idx="minor">
-            <a:schemeClr val="lt1"/>
-          </a:fontRef>
-        </p:style>
-        <p:txBody>
-          <a:bodyPr rtlCol="0" anchor="ctr"/>
-          <a:lstStyle/>
-          <a:p>
-            <a:pPr algn="ctr"/>
-            <a:r>
-              <a:rPr lang="en-US" dirty="0"/>
-              <a:t>Initial Abundance</a:t>
-            </a:r>
-          </a:p>
-        </p:txBody>
-      </p:sp>
-      <p:sp>
-        <p:nvSpPr>
-          <p:cNvPr id="6" name="Arrow: Left 5">
-            <a:extLst>
-              <a:ext uri="{FF2B5EF4-FFF2-40B4-BE49-F238E27FC236}">
-                <a16:creationId xmlns:a16="http://schemas.microsoft.com/office/drawing/2014/main" id="{D0A2032F-EF41-4F46-B026-C81A4879AACB}"/>
-              </a:ext>
-            </a:extLst>
-          </p:cNvPr>
-          <p:cNvSpPr/>
-          <p:nvPr/>
-        </p:nvSpPr>
-        <p:spPr>
-          <a:xfrm>
-            <a:off x="6494106" y="2850794"/>
-            <a:ext cx="3041780" cy="774441"/>
-          </a:xfrm>
-          <a:prstGeom prst="leftArrow">
-            <a:avLst/>
-          </a:prstGeom>
-        </p:spPr>
-        <p:style>
-          <a:lnRef idx="2">
-            <a:schemeClr val="accent1">
-              <a:shade val="50000"/>
-            </a:schemeClr>
-          </a:lnRef>
-          <a:fillRef idx="1">
-            <a:schemeClr val="accent1"/>
-          </a:fillRef>
-          <a:effectRef idx="0">
-            <a:schemeClr val="accent1"/>
-          </a:effectRef>
-          <a:fontRef idx="minor">
-            <a:schemeClr val="lt1"/>
-          </a:fontRef>
-        </p:style>
-        <p:txBody>
-          <a:bodyPr rtlCol="0" anchor="ctr"/>
-          <a:lstStyle/>
-          <a:p>
-            <a:pPr algn="ctr"/>
-            <a:r>
-              <a:rPr lang="en-US" dirty="0"/>
-              <a:t># Surviving</a:t>
-            </a:r>
-          </a:p>
-        </p:txBody>
-      </p:sp>
-      <p:sp>
-        <p:nvSpPr>
-          <p:cNvPr id="7" name="Arrow: Left 6">
-            <a:extLst>
-              <a:ext uri="{FF2B5EF4-FFF2-40B4-BE49-F238E27FC236}">
-                <a16:creationId xmlns:a16="http://schemas.microsoft.com/office/drawing/2014/main" id="{BBC25A2F-6B6E-4850-ABEC-FD85269291B4}"/>
-              </a:ext>
-            </a:extLst>
-          </p:cNvPr>
-          <p:cNvSpPr/>
-          <p:nvPr/>
-        </p:nvSpPr>
-        <p:spPr>
-          <a:xfrm>
-            <a:off x="6494106" y="4001294"/>
-            <a:ext cx="3041780" cy="774441"/>
-          </a:xfrm>
-          <a:prstGeom prst="leftArrow">
-            <a:avLst/>
-          </a:prstGeom>
-        </p:spPr>
-        <p:style>
-          <a:lnRef idx="2">
-            <a:schemeClr val="accent1">
-              <a:shade val="50000"/>
-            </a:schemeClr>
-          </a:lnRef>
-          <a:fillRef idx="1">
-            <a:schemeClr val="accent1"/>
-          </a:fillRef>
-          <a:effectRef idx="0">
-            <a:schemeClr val="accent1"/>
-          </a:effectRef>
-          <a:fontRef idx="minor">
-            <a:schemeClr val="lt1"/>
-          </a:fontRef>
-        </p:style>
-        <p:txBody>
-          <a:bodyPr rtlCol="0" anchor="ctr"/>
-          <a:lstStyle/>
-          <a:p>
-            <a:pPr algn="ctr"/>
-            <a:r>
-              <a:rPr lang="en-US" dirty="0"/>
-              <a:t># Recruited</a:t>
-            </a:r>
-          </a:p>
-        </p:txBody>
-      </p:sp>
-      <p:sp>
-        <p:nvSpPr>
-          <p:cNvPr id="8" name="Arrow: Left 7">
-            <a:extLst>
-              <a:ext uri="{FF2B5EF4-FFF2-40B4-BE49-F238E27FC236}">
-                <a16:creationId xmlns:a16="http://schemas.microsoft.com/office/drawing/2014/main" id="{568C9213-EA6E-4242-B0B2-BAAF0B0AC86F}"/>
-              </a:ext>
-            </a:extLst>
-          </p:cNvPr>
-          <p:cNvSpPr/>
-          <p:nvPr/>
-        </p:nvSpPr>
-        <p:spPr>
-          <a:xfrm>
-            <a:off x="6494106" y="5151794"/>
-            <a:ext cx="3041780" cy="774441"/>
-          </a:xfrm>
-          <a:prstGeom prst="leftArrow">
-            <a:avLst/>
-          </a:prstGeom>
-        </p:spPr>
-        <p:style>
-          <a:lnRef idx="2">
-            <a:schemeClr val="accent1">
-              <a:shade val="50000"/>
-            </a:schemeClr>
-          </a:lnRef>
-          <a:fillRef idx="1">
-            <a:schemeClr val="accent1"/>
-          </a:fillRef>
-          <a:effectRef idx="0">
-            <a:schemeClr val="accent1"/>
-          </a:effectRef>
-          <a:fontRef idx="minor">
-            <a:schemeClr val="lt1"/>
-          </a:fontRef>
-        </p:style>
-        <p:txBody>
-          <a:bodyPr rtlCol="0" anchor="ctr"/>
-          <a:lstStyle/>
-          <a:p>
-            <a:pPr algn="ctr"/>
-            <a:r>
-              <a:rPr lang="en-US" dirty="0"/>
-              <a:t>Total Abundance</a:t>
-            </a:r>
+              <a:t>Double observer sampling also uses multinomial probabilities</a:t>
+            </a:r>
+            <a:endParaRPr lang="en-US" sz="2800" dirty="0"/>
           </a:p>
         </p:txBody>
       </p:sp>
     </p:spTree>
     <p:extLst>
       <p:ext uri="{BB962C8B-B14F-4D97-AF65-F5344CB8AC3E}">
-        <p14:creationId xmlns:p14="http://schemas.microsoft.com/office/powerpoint/2010/main" val="3346785150"/>
-      </p:ext>
-    </p:extLst>
-  </p:cSld>
-  <p:clrMapOvr>
-    <a:masterClrMapping/>
-  </p:clrMapOvr>
-</p:sld>
-</file>
-
-<file path=ppt/slides/slide13.xml><?xml version="1.0" encoding="utf-8"?>
-<p:sld xmlns:a="http://schemas.openxmlformats.org/drawingml/2006/main" xmlns:r="http://schemas.openxmlformats.org/officeDocument/2006/relationships" xmlns:p="http://schemas.openxmlformats.org/presentationml/2006/main">
-  <p:cSld>
-    <p:spTree>
-      <p:nvGrpSpPr>
-        <p:cNvPr id="1" name=""/>
-        <p:cNvGrpSpPr/>
-        <p:nvPr/>
-      </p:nvGrpSpPr>
-      <p:grpSpPr>
-        <a:xfrm>
-          <a:off x="0" y="0"/>
-          <a:ext cx="0" cy="0"/>
-          <a:chOff x="0" y="0"/>
-          <a:chExt cx="0" cy="0"/>
-        </a:xfrm>
-      </p:grpSpPr>
-      <p:sp>
-        <p:nvSpPr>
-          <p:cNvPr id="2" name="Title 1">
-            <a:extLst>
-              <a:ext uri="{FF2B5EF4-FFF2-40B4-BE49-F238E27FC236}">
-                <a16:creationId xmlns:a16="http://schemas.microsoft.com/office/drawing/2014/main" id="{B87D4F66-18D6-4061-B96D-23B8A7D069A8}"/>
-              </a:ext>
-            </a:extLst>
-          </p:cNvPr>
-          <p:cNvSpPr>
-            <a:spLocks noGrp="1"/>
-          </p:cNvSpPr>
-          <p:nvPr>
-            <p:ph type="title"/>
-          </p:nvPr>
-        </p:nvSpPr>
-        <p:spPr/>
-        <p:txBody>
-          <a:bodyPr/>
-          <a:lstStyle/>
-          <a:p>
-            <a:r>
-              <a:rPr lang="en-US" dirty="0"/>
-              <a:t>Open N-mixture</a:t>
-            </a:r>
-          </a:p>
-        </p:txBody>
-      </p:sp>
-      <p:sp>
-        <p:nvSpPr>
-          <p:cNvPr id="3" name="Content Placeholder 2">
-            <a:extLst>
-              <a:ext uri="{FF2B5EF4-FFF2-40B4-BE49-F238E27FC236}">
-                <a16:creationId xmlns:a16="http://schemas.microsoft.com/office/drawing/2014/main" id="{776BD9FB-6468-43CF-911B-1596D35E7EE5}"/>
-              </a:ext>
-            </a:extLst>
-          </p:cNvPr>
-          <p:cNvSpPr>
-            <a:spLocks noGrp="1"/>
-          </p:cNvSpPr>
-          <p:nvPr>
-            <p:ph idx="1"/>
-          </p:nvPr>
-        </p:nvSpPr>
-        <p:spPr/>
-        <p:txBody>
-          <a:bodyPr>
-            <a:normAutofit/>
-          </a:bodyPr>
-          <a:lstStyle/>
-          <a:p>
-            <a:r>
-              <a:rPr lang="en-US" sz="3600" dirty="0"/>
-              <a:t>Can use covariates for all parameters</a:t>
-            </a:r>
-          </a:p>
-          <a:p>
-            <a:endParaRPr lang="en-US" sz="3600" dirty="0"/>
-          </a:p>
-          <a:p>
-            <a:r>
-              <a:rPr lang="en-US" sz="3600" dirty="0"/>
-              <a:t>Can use multiple “secondary” occasions or only 1 (!)</a:t>
-            </a:r>
-          </a:p>
-          <a:p>
-            <a:pPr lvl="1"/>
-            <a:r>
-              <a:rPr lang="en-US" sz="3200" dirty="0"/>
-              <a:t>Runs, but not as well</a:t>
-            </a:r>
-          </a:p>
-          <a:p>
-            <a:pPr lvl="1"/>
-            <a:r>
-              <a:rPr lang="en-US" sz="3200" dirty="0"/>
-              <a:t>Likely needs covariates for detection probability</a:t>
-            </a:r>
-          </a:p>
-        </p:txBody>
-      </p:sp>
-    </p:spTree>
-    <p:extLst>
-      <p:ext uri="{BB962C8B-B14F-4D97-AF65-F5344CB8AC3E}">
-        <p14:creationId xmlns:p14="http://schemas.microsoft.com/office/powerpoint/2010/main" val="2409386506"/>
+        <p14:creationId xmlns:p14="http://schemas.microsoft.com/office/powerpoint/2010/main" val="3008686489"/>
       </p:ext>
     </p:extLst>
   </p:cSld>
@@ -4835,7 +4440,12 @@
             <p:ph idx="1"/>
           </p:nvPr>
         </p:nvSpPr>
-        <p:spPr/>
+        <p:spPr>
+          <a:xfrm>
+            <a:off x="838200" y="1825625"/>
+            <a:ext cx="6070810" cy="4351338"/>
+          </a:xfrm>
+        </p:spPr>
         <p:txBody>
           <a:bodyPr/>
           <a:lstStyle/>
@@ -4887,16 +4497,43 @@
             </a:r>
           </a:p>
           <a:p>
+            <a:pPr marL="0" indent="0">
+              <a:buNone/>
+            </a:pPr>
             <a:endParaRPr lang="en-US" dirty="0"/>
           </a:p>
-          <a:p>
-            <a:r>
-              <a:rPr lang="en-US" dirty="0"/>
-              <a:t>[insert figure from code here to illustrate]</a:t>
-            </a:r>
-          </a:p>
-        </p:txBody>
-      </p:sp>
+        </p:txBody>
+      </p:sp>
+      <p:pic>
+        <p:nvPicPr>
+          <p:cNvPr id="4" name="Picture 3">
+            <a:extLst>
+              <a:ext uri="{FF2B5EF4-FFF2-40B4-BE49-F238E27FC236}">
+                <a16:creationId xmlns:a16="http://schemas.microsoft.com/office/drawing/2014/main" id="{A5CAA101-4944-4AAA-9BF0-438B87E50C23}"/>
+              </a:ext>
+            </a:extLst>
+          </p:cNvPr>
+          <p:cNvPicPr>
+            <a:picLocks noChangeAspect="1"/>
+          </p:cNvPicPr>
+          <p:nvPr/>
+        </p:nvPicPr>
+        <p:blipFill>
+          <a:blip r:embed="rId2"/>
+          <a:stretch>
+            <a:fillRect/>
+          </a:stretch>
+        </p:blipFill>
+        <p:spPr>
+          <a:xfrm>
+            <a:off x="6909010" y="1539063"/>
+            <a:ext cx="4744344" cy="3779873"/>
+          </a:xfrm>
+          <a:prstGeom prst="rect">
+            <a:avLst/>
+          </a:prstGeom>
+        </p:spPr>
+      </p:pic>
     </p:spTree>
     <p:extLst>
       <p:ext uri="{BB962C8B-B14F-4D97-AF65-F5344CB8AC3E}">
@@ -5009,20 +4646,6 @@
           <a:p>
             <a:endParaRPr lang="en-US" dirty="0"/>
           </a:p>
-          <a:p>
-            <a:r>
-              <a:rPr lang="en-US" dirty="0"/>
-              <a:t>[figure from code comparing </a:t>
-            </a:r>
-            <a:r>
-              <a:rPr lang="en-US" dirty="0" err="1"/>
-              <a:t>poisson</a:t>
-            </a:r>
-            <a:r>
-              <a:rPr lang="en-US" dirty="0"/>
-              <a:t> and NB]</a:t>
-            </a:r>
-          </a:p>
         </p:txBody>
       </p:sp>
     </p:spTree>
@@ -5060,7 +4683,7 @@
           <p:cNvPr id="2" name="Title 1">
             <a:extLst>
               <a:ext uri="{FF2B5EF4-FFF2-40B4-BE49-F238E27FC236}">
-                <a16:creationId xmlns:a16="http://schemas.microsoft.com/office/drawing/2014/main" id="{C09DC58F-2378-4708-81F2-970730A4E7DA}"/>
+                <a16:creationId xmlns:a16="http://schemas.microsoft.com/office/drawing/2014/main" id="{A1A10298-580B-42A6-8D03-5CEC9887BA35}"/>
               </a:ext>
             </a:extLst>
           </p:cNvPr>
@@ -5078,40 +4701,75 @@
           <a:p>
             <a:r>
               <a:rPr lang="en-US" dirty="0"/>
-              <a:t>Goodness-of-Fit Statistics</a:t>
-            </a:r>
-          </a:p>
-        </p:txBody>
-      </p:sp>
-      <p:sp>
-        <p:nvSpPr>
-          <p:cNvPr id="3" name="Content Placeholder 2">
-            <a:extLst>
-              <a:ext uri="{FF2B5EF4-FFF2-40B4-BE49-F238E27FC236}">
-                <a16:creationId xmlns:a16="http://schemas.microsoft.com/office/drawing/2014/main" id="{0394ADE2-DDC7-4807-BA51-DA0AC1334018}"/>
-              </a:ext>
-            </a:extLst>
-          </p:cNvPr>
-          <p:cNvSpPr>
-            <a:spLocks noGrp="1"/>
-          </p:cNvSpPr>
-          <p:nvPr>
-            <p:ph idx="1"/>
-          </p:nvPr>
-        </p:nvSpPr>
-        <p:spPr/>
-        <p:txBody>
-          <a:bodyPr/>
-          <a:lstStyle/>
-          <a:p>
-            <a:endParaRPr lang="en-US"/>
-          </a:p>
-        </p:txBody>
-      </p:sp>
+              <a:t>Poisson vs. Negative Binomial</a:t>
+            </a:r>
+          </a:p>
+        </p:txBody>
+      </p:sp>
+      <p:pic>
+        <p:nvPicPr>
+          <p:cNvPr id="5" name="Picture 4">
+            <a:extLst>
+              <a:ext uri="{FF2B5EF4-FFF2-40B4-BE49-F238E27FC236}">
+                <a16:creationId xmlns:a16="http://schemas.microsoft.com/office/drawing/2014/main" id="{908555AE-5E97-4D33-975F-0185DDCAE63B}"/>
+              </a:ext>
+            </a:extLst>
+          </p:cNvPr>
+          <p:cNvPicPr>
+            <a:picLocks noChangeAspect="1"/>
+          </p:cNvPicPr>
+          <p:nvPr/>
+        </p:nvPicPr>
+        <p:blipFill>
+          <a:blip r:embed="rId2"/>
+          <a:stretch>
+            <a:fillRect/>
+          </a:stretch>
+        </p:blipFill>
+        <p:spPr>
+          <a:xfrm>
+            <a:off x="997778" y="1690688"/>
+            <a:ext cx="5098222" cy="4061812"/>
+          </a:xfrm>
+          <a:prstGeom prst="rect">
+            <a:avLst/>
+          </a:prstGeom>
+        </p:spPr>
+      </p:pic>
+      <p:pic>
+        <p:nvPicPr>
+          <p:cNvPr id="6" name="Picture 5">
+            <a:extLst>
+              <a:ext uri="{FF2B5EF4-FFF2-40B4-BE49-F238E27FC236}">
+                <a16:creationId xmlns:a16="http://schemas.microsoft.com/office/drawing/2014/main" id="{4205930E-CC22-4717-9894-FEE77D375567}"/>
+              </a:ext>
+            </a:extLst>
+          </p:cNvPr>
+          <p:cNvPicPr>
+            <a:picLocks noChangeAspect="1"/>
+          </p:cNvPicPr>
+          <p:nvPr/>
+        </p:nvPicPr>
+        <p:blipFill>
+          <a:blip r:embed="rId3"/>
+          <a:stretch>
+            <a:fillRect/>
+          </a:stretch>
+        </p:blipFill>
+        <p:spPr>
+          <a:xfrm>
+            <a:off x="6415156" y="1690688"/>
+            <a:ext cx="5098222" cy="4061812"/>
+          </a:xfrm>
+          <a:prstGeom prst="rect">
+            <a:avLst/>
+          </a:prstGeom>
+        </p:spPr>
+      </p:pic>
     </p:spTree>
     <p:extLst>
       <p:ext uri="{BB962C8B-B14F-4D97-AF65-F5344CB8AC3E}">
-        <p14:creationId xmlns:p14="http://schemas.microsoft.com/office/powerpoint/2010/main" val="3452709422"/>
+        <p14:creationId xmlns:p14="http://schemas.microsoft.com/office/powerpoint/2010/main" val="1603084269"/>
       </p:ext>
     </p:extLst>
   </p:cSld>
@@ -5143,7 +4801,7 @@
           <p:cNvPr id="2" name="Title 1">
             <a:extLst>
               <a:ext uri="{FF2B5EF4-FFF2-40B4-BE49-F238E27FC236}">
-                <a16:creationId xmlns:a16="http://schemas.microsoft.com/office/drawing/2014/main" id="{3E20C3E1-FF13-40C5-809A-21E84B0D0AC4}"/>
+                <a16:creationId xmlns:a16="http://schemas.microsoft.com/office/drawing/2014/main" id="{C09DC58F-2378-4708-81F2-970730A4E7DA}"/>
               </a:ext>
             </a:extLst>
           </p:cNvPr>
@@ -5161,7 +4819,7 @@
           <a:p>
             <a:r>
               <a:rPr lang="en-US" dirty="0"/>
-              <a:t>Model Selection	</a:t>
+              <a:t>Goodness-of-Fit Statistics</a:t>
             </a:r>
           </a:p>
         </p:txBody>
@@ -5171,7 +4829,7 @@
           <p:cNvPr id="3" name="Content Placeholder 2">
             <a:extLst>
               <a:ext uri="{FF2B5EF4-FFF2-40B4-BE49-F238E27FC236}">
-                <a16:creationId xmlns:a16="http://schemas.microsoft.com/office/drawing/2014/main" id="{16387A03-95AD-4647-B491-99319EA886F5}"/>
+                <a16:creationId xmlns:a16="http://schemas.microsoft.com/office/drawing/2014/main" id="{0394ADE2-DDC7-4807-BA51-DA0AC1334018}"/>
               </a:ext>
             </a:extLst>
           </p:cNvPr>
@@ -5184,21 +4842,32 @@
         </p:nvSpPr>
         <p:spPr/>
         <p:txBody>
-          <a:bodyPr/>
-          <a:lstStyle/>
-          <a:p>
-            <a:r>
-              <a:rPr lang="en-US" dirty="0"/>
-              <a:t>Can compare models using AIC</a:t>
-            </a:r>
-          </a:p>
-          <a:p>
-            <a:endParaRPr lang="en-US" dirty="0"/>
-          </a:p>
-          <a:p>
-            <a:r>
-              <a:rPr lang="en-US" dirty="0"/>
-              <a:t>Can compare both different covariates of interest as well as distributions (Poisson vs. zero-inflated Poisson)</a:t>
+          <a:bodyPr>
+            <a:normAutofit/>
+          </a:bodyPr>
+          <a:lstStyle/>
+          <a:p>
+            <a:r>
+              <a:rPr lang="en-US" sz="3200" dirty="0"/>
+              <a:t>Test of how well the data fit your model</a:t>
+            </a:r>
+          </a:p>
+          <a:p>
+            <a:endParaRPr lang="en-US" sz="3200" dirty="0"/>
+          </a:p>
+          <a:p>
+            <a:r>
+              <a:rPr lang="en-US" sz="3200" dirty="0"/>
+              <a:t>R function uses Pearson’s chi-square test and bootstrapping</a:t>
+            </a:r>
+          </a:p>
+          <a:p>
+            <a:endParaRPr lang="en-US" sz="3200" dirty="0"/>
+          </a:p>
+          <a:p>
+            <a:r>
+              <a:rPr lang="en-US" sz="3200" dirty="0"/>
+              <a:t>Null hypothesis is that data fit, so “fits” if p &gt; 0.05</a:t>
             </a:r>
           </a:p>
         </p:txBody>
@@ -5206,7 +4875,7 @@
     </p:spTree>
     <p:extLst>
       <p:ext uri="{BB962C8B-B14F-4D97-AF65-F5344CB8AC3E}">
-        <p14:creationId xmlns:p14="http://schemas.microsoft.com/office/powerpoint/2010/main" val="2354612628"/>
+        <p14:creationId xmlns:p14="http://schemas.microsoft.com/office/powerpoint/2010/main" val="3452709422"/>
       </p:ext>
     </p:extLst>
   </p:cSld>
@@ -5238,7 +4907,7 @@
           <p:cNvPr id="2" name="Title 1">
             <a:extLst>
               <a:ext uri="{FF2B5EF4-FFF2-40B4-BE49-F238E27FC236}">
-                <a16:creationId xmlns:a16="http://schemas.microsoft.com/office/drawing/2014/main" id="{33656D27-90B7-41D9-8645-848A8CDC8D74}"/>
+                <a16:creationId xmlns:a16="http://schemas.microsoft.com/office/drawing/2014/main" id="{3E20C3E1-FF13-40C5-809A-21E84B0D0AC4}"/>
               </a:ext>
             </a:extLst>
           </p:cNvPr>
@@ -5256,7 +4925,7 @@
           <a:p>
             <a:r>
               <a:rPr lang="en-US" dirty="0"/>
-              <a:t>“Open” N-mixture</a:t>
+              <a:t>Model Selection	</a:t>
             </a:r>
           </a:p>
         </p:txBody>
@@ -5266,7 +4935,7 @@
           <p:cNvPr id="3" name="Content Placeholder 2">
             <a:extLst>
               <a:ext uri="{FF2B5EF4-FFF2-40B4-BE49-F238E27FC236}">
-                <a16:creationId xmlns:a16="http://schemas.microsoft.com/office/drawing/2014/main" id="{8C5F5F2A-A874-41AD-8E64-4914083A27CC}"/>
+                <a16:creationId xmlns:a16="http://schemas.microsoft.com/office/drawing/2014/main" id="{16387A03-95AD-4647-B491-99319EA886F5}"/>
               </a:ext>
             </a:extLst>
           </p:cNvPr>
@@ -5279,48 +4948,21 @@
         </p:nvSpPr>
         <p:spPr/>
         <p:txBody>
-          <a:bodyPr>
-            <a:normAutofit/>
-          </a:bodyPr>
-          <a:lstStyle/>
-          <a:p>
-            <a:r>
-              <a:rPr lang="en-US" sz="3200" dirty="0"/>
-              <a:t>Do not assume closure between periods</a:t>
-            </a:r>
-          </a:p>
-          <a:p>
-            <a:endParaRPr lang="en-US" sz="3200" dirty="0"/>
-          </a:p>
-          <a:p>
-            <a:r>
-              <a:rPr lang="en-US" sz="3200" dirty="0"/>
-              <a:t>Initially developed by </a:t>
-            </a:r>
-            <a:r>
-              <a:rPr lang="en-US" sz="3200" dirty="0" err="1"/>
-              <a:t>Dail</a:t>
-            </a:r>
-            <a:r>
-              <a:rPr lang="en-US" sz="3200" dirty="0"/>
-              <a:t> and Madsen (2011), sometimes called “</a:t>
-            </a:r>
-            <a:r>
-              <a:rPr lang="en-US" sz="3200" dirty="0" err="1"/>
-              <a:t>Dail</a:t>
-            </a:r>
-            <a:r>
-              <a:rPr lang="en-US" sz="3200" dirty="0"/>
-              <a:t>-Madsen Model”</a:t>
-            </a:r>
-          </a:p>
-          <a:p>
-            <a:endParaRPr lang="en-US" sz="3200" dirty="0"/>
-          </a:p>
-          <a:p>
-            <a:r>
-              <a:rPr lang="en-US" sz="3200" dirty="0"/>
-              <a:t>Estimating initial abundance, recruitment, apparent survival, and detection probability</a:t>
+          <a:bodyPr/>
+          <a:lstStyle/>
+          <a:p>
+            <a:r>
+              <a:rPr lang="en-US" dirty="0"/>
+              <a:t>Can compare models using AIC</a:t>
+            </a:r>
+          </a:p>
+          <a:p>
+            <a:endParaRPr lang="en-US" dirty="0"/>
+          </a:p>
+          <a:p>
+            <a:r>
+              <a:rPr lang="en-US" dirty="0"/>
+              <a:t>Can compare both different covariates of interest as well as distributions (Poisson vs. zero-inflated Poisson)</a:t>
             </a:r>
           </a:p>
         </p:txBody>
@@ -5328,7 +4970,7 @@
     </p:spTree>
     <p:extLst>
       <p:ext uri="{BB962C8B-B14F-4D97-AF65-F5344CB8AC3E}">
-        <p14:creationId xmlns:p14="http://schemas.microsoft.com/office/powerpoint/2010/main" val="2985004924"/>
+        <p14:creationId xmlns:p14="http://schemas.microsoft.com/office/powerpoint/2010/main" val="2354612628"/>
       </p:ext>
     </p:extLst>
   </p:cSld>
@@ -5360,7 +5002,7 @@
           <p:cNvPr id="2" name="Title 1">
             <a:extLst>
               <a:ext uri="{FF2B5EF4-FFF2-40B4-BE49-F238E27FC236}">
-                <a16:creationId xmlns:a16="http://schemas.microsoft.com/office/drawing/2014/main" id="{2FFD7B5E-7FD0-4D73-84B9-F7C9439C99C6}"/>
+                <a16:creationId xmlns:a16="http://schemas.microsoft.com/office/drawing/2014/main" id="{33656D27-90B7-41D9-8645-848A8CDC8D74}"/>
               </a:ext>
             </a:extLst>
           </p:cNvPr>
@@ -5378,7 +5020,7 @@
           <a:p>
             <a:r>
               <a:rPr lang="en-US" dirty="0"/>
-              <a:t>Open N-mixture</a:t>
+              <a:t>Different Types of Survey Data</a:t>
             </a:r>
           </a:p>
         </p:txBody>
@@ -5388,7 +5030,7 @@
           <p:cNvPr id="3" name="Content Placeholder 2">
             <a:extLst>
               <a:ext uri="{FF2B5EF4-FFF2-40B4-BE49-F238E27FC236}">
-                <a16:creationId xmlns:a16="http://schemas.microsoft.com/office/drawing/2014/main" id="{9EA45A95-C34A-44CA-899F-867879B5959A}"/>
+                <a16:creationId xmlns:a16="http://schemas.microsoft.com/office/drawing/2014/main" id="{8C5F5F2A-A874-41AD-8E64-4914083A27CC}"/>
               </a:ext>
             </a:extLst>
           </p:cNvPr>
@@ -5408,79 +5050,25 @@
           <a:p>
             <a:r>
               <a:rPr lang="en-US" sz="3200" dirty="0"/>
-              <a:t>N</a:t>
-            </a:r>
-            <a:r>
-              <a:rPr lang="en-US" sz="3200" baseline="-25000" dirty="0"/>
-              <a:t>i,1</a:t>
-            </a:r>
+              <a:t>Removal data</a:t>
+            </a:r>
+          </a:p>
+          <a:p>
+            <a:endParaRPr lang="en-US" sz="3200" dirty="0"/>
+          </a:p>
+          <a:p>
             <a:r>
               <a:rPr lang="en-US" sz="3200" dirty="0"/>
-              <a:t> ~ Poisson(</a:t>
-            </a:r>
-            <a:r>
-              <a:rPr lang="el-GR" sz="3200" dirty="0"/>
-              <a:t>λ</a:t>
-            </a:r>
-            <a:r>
-              <a:rPr lang="en-US" sz="3200" baseline="-25000" dirty="0" err="1"/>
-              <a:t>i</a:t>
-            </a:r>
+              <a:t>Double observers</a:t>
+            </a:r>
+          </a:p>
+          <a:p>
+            <a:endParaRPr lang="en-US" sz="3200" dirty="0"/>
+          </a:p>
+          <a:p>
             <a:r>
               <a:rPr lang="en-US" sz="3200" dirty="0"/>
-              <a:t>)</a:t>
-            </a:r>
-          </a:p>
-          <a:p>
-            <a:endParaRPr lang="en-US" sz="3200" dirty="0"/>
-          </a:p>
-        </p:txBody>
-      </p:sp>
-      <p:sp>
-        <p:nvSpPr>
-          <p:cNvPr id="4" name="Arrow: Left 3">
-            <a:extLst>
-              <a:ext uri="{FF2B5EF4-FFF2-40B4-BE49-F238E27FC236}">
-                <a16:creationId xmlns:a16="http://schemas.microsoft.com/office/drawing/2014/main" id="{A3D08F41-65AF-413B-A0CE-84593D73A309}"/>
-              </a:ext>
-            </a:extLst>
-          </p:cNvPr>
-          <p:cNvSpPr/>
-          <p:nvPr/>
-        </p:nvSpPr>
-        <p:spPr>
-          <a:xfrm>
-            <a:off x="4973216" y="1690688"/>
-            <a:ext cx="3041780" cy="774441"/>
-          </a:xfrm>
-          <a:prstGeom prst="leftArrow">
-            <a:avLst/>
-          </a:prstGeom>
-        </p:spPr>
-        <p:style>
-          <a:lnRef idx="2">
-            <a:schemeClr val="accent1">
-              <a:shade val="50000"/>
-            </a:schemeClr>
-          </a:lnRef>
-          <a:fillRef idx="1">
-            <a:schemeClr val="accent1"/>
-          </a:fillRef>
-          <a:effectRef idx="0">
-            <a:schemeClr val="accent1"/>
-          </a:effectRef>
-          <a:fontRef idx="minor">
-            <a:schemeClr val="lt1"/>
-          </a:fontRef>
-        </p:style>
-        <p:txBody>
-          <a:bodyPr rtlCol="0" anchor="ctr"/>
-          <a:lstStyle/>
-          <a:p>
-            <a:pPr algn="ctr"/>
-            <a:r>
-              <a:rPr lang="en-US" dirty="0"/>
-              <a:t>Initial Abundance</a:t>
+              <a:t>Open N-mixture models</a:t>
             </a:r>
           </a:p>
         </p:txBody>
@@ -5488,7 +5076,7 @@
     </p:spTree>
     <p:extLst>
       <p:ext uri="{BB962C8B-B14F-4D97-AF65-F5344CB8AC3E}">
-        <p14:creationId xmlns:p14="http://schemas.microsoft.com/office/powerpoint/2010/main" val="3302159555"/>
+        <p14:creationId xmlns:p14="http://schemas.microsoft.com/office/powerpoint/2010/main" val="2985004924"/>
       </p:ext>
     </p:extLst>
   </p:cSld>
@@ -5520,7 +5108,7 @@
           <p:cNvPr id="2" name="Title 1">
             <a:extLst>
               <a:ext uri="{FF2B5EF4-FFF2-40B4-BE49-F238E27FC236}">
-                <a16:creationId xmlns:a16="http://schemas.microsoft.com/office/drawing/2014/main" id="{2FFD7B5E-7FD0-4D73-84B9-F7C9439C99C6}"/>
+                <a16:creationId xmlns:a16="http://schemas.microsoft.com/office/drawing/2014/main" id="{33656D27-90B7-41D9-8645-848A8CDC8D74}"/>
               </a:ext>
             </a:extLst>
           </p:cNvPr>
@@ -5538,7 +5126,7 @@
           <a:p>
             <a:r>
               <a:rPr lang="en-US" dirty="0"/>
-              <a:t>Open N-mixture</a:t>
+              <a:t>Different Types of Survey Data</a:t>
             </a:r>
           </a:p>
         </p:txBody>
@@ -5548,7 +5136,7 @@
           <p:cNvPr id="3" name="Content Placeholder 2">
             <a:extLst>
               <a:ext uri="{FF2B5EF4-FFF2-40B4-BE49-F238E27FC236}">
-                <a16:creationId xmlns:a16="http://schemas.microsoft.com/office/drawing/2014/main" id="{9EA45A95-C34A-44CA-899F-867879B5959A}"/>
+                <a16:creationId xmlns:a16="http://schemas.microsoft.com/office/drawing/2014/main" id="{8C5F5F2A-A874-41AD-8E64-4914083A27CC}"/>
               </a:ext>
             </a:extLst>
           </p:cNvPr>
@@ -5568,169 +5156,472 @@
           <a:p>
             <a:r>
               <a:rPr lang="en-US" sz="3200" dirty="0"/>
-              <a:t>N</a:t>
-            </a:r>
-            <a:r>
-              <a:rPr lang="en-US" sz="3200" baseline="-25000" dirty="0"/>
-              <a:t>i,1</a:t>
-            </a:r>
+              <a:t>Removal data</a:t>
+            </a:r>
+          </a:p>
+          <a:p>
+            <a:pPr lvl="1"/>
             <a:r>
               <a:rPr lang="en-US" sz="3200" dirty="0"/>
-              <a:t> ~ Poisson(</a:t>
-            </a:r>
-            <a:r>
-              <a:rPr lang="el-GR" sz="3200" dirty="0"/>
-              <a:t>λ</a:t>
-            </a:r>
-            <a:r>
-              <a:rPr lang="en-US" sz="3200" baseline="-25000" dirty="0" err="1"/>
-              <a:t>i</a:t>
-            </a:r>
-            <a:r>
-              <a:rPr lang="en-US" sz="3200" dirty="0"/>
-              <a:t>)</a:t>
-            </a:r>
-          </a:p>
-          <a:p>
+              <a:t>For birds, only counting new birds heard during point count</a:t>
+            </a:r>
+          </a:p>
+          <a:p>
+            <a:pPr marL="457200" lvl="1" indent="0">
+              <a:buNone/>
+            </a:pPr>
             <a:endParaRPr lang="en-US" sz="3200" dirty="0"/>
           </a:p>
-          <a:p>
-            <a:r>
-              <a:rPr lang="en-US" sz="3200" dirty="0"/>
-              <a:t>S</a:t>
-            </a:r>
-            <a:r>
-              <a:rPr lang="en-US" sz="3200" baseline="-25000" dirty="0"/>
-              <a:t>i,t</a:t>
-            </a:r>
-            <a:r>
-              <a:rPr lang="en-US" sz="3200" dirty="0"/>
-              <a:t>|N</a:t>
-            </a:r>
-            <a:r>
-              <a:rPr lang="en-US" sz="3200" baseline="-25000" dirty="0"/>
-              <a:t>i,t-1</a:t>
-            </a:r>
-            <a:r>
-              <a:rPr lang="en-US" sz="3200" dirty="0"/>
-              <a:t> ~ Binomial(N</a:t>
-            </a:r>
-            <a:r>
-              <a:rPr lang="en-US" sz="3200" baseline="-25000" dirty="0"/>
-              <a:t>i,t-1</a:t>
-            </a:r>
-            <a:r>
-              <a:rPr lang="en-US" sz="3200" dirty="0"/>
-              <a:t>,ω) </a:t>
-            </a:r>
-          </a:p>
-          <a:p>
-            <a:endParaRPr lang="en-US" sz="3200" dirty="0"/>
-          </a:p>
-        </p:txBody>
-      </p:sp>
-      <p:sp>
-        <p:nvSpPr>
-          <p:cNvPr id="5" name="Arrow: Left 4">
-            <a:extLst>
-              <a:ext uri="{FF2B5EF4-FFF2-40B4-BE49-F238E27FC236}">
-                <a16:creationId xmlns:a16="http://schemas.microsoft.com/office/drawing/2014/main" id="{DF0631ED-645F-4951-8134-D92C84733DD1}"/>
-              </a:ext>
-            </a:extLst>
-          </p:cNvPr>
-          <p:cNvSpPr/>
+        </p:txBody>
+      </p:sp>
+      <p:cxnSp>
+        <p:nvCxnSpPr>
+          <p:cNvPr id="5" name="Straight Connector 4">
+            <a:extLst>
+              <a:ext uri="{FF2B5EF4-FFF2-40B4-BE49-F238E27FC236}">
+                <a16:creationId xmlns:a16="http://schemas.microsoft.com/office/drawing/2014/main" id="{44C077DA-A816-4033-878E-47D22145BB8B}"/>
+              </a:ext>
+            </a:extLst>
+          </p:cNvPr>
+          <p:cNvCxnSpPr>
+            <a:stCxn id="3" idx="1"/>
+            <a:endCxn id="3" idx="3"/>
+          </p:cNvCxnSpPr>
           <p:nvPr/>
-        </p:nvSpPr>
+        </p:nvCxnSpPr>
         <p:spPr>
           <a:xfrm>
-            <a:off x="4973216" y="1690688"/>
-            <a:ext cx="3041780" cy="774441"/>
+            <a:off x="838200" y="4001294"/>
+            <a:ext cx="10515600" cy="0"/>
           </a:xfrm>
-          <a:prstGeom prst="leftArrow">
+          <a:prstGeom prst="line">
             <a:avLst/>
           </a:prstGeom>
+          <a:ln w="38100"/>
         </p:spPr>
         <p:style>
-          <a:lnRef idx="2">
-            <a:schemeClr val="accent1">
-              <a:shade val="50000"/>
-            </a:schemeClr>
+          <a:lnRef idx="1">
+            <a:schemeClr val="accent1"/>
           </a:lnRef>
-          <a:fillRef idx="1">
+          <a:fillRef idx="0">
             <a:schemeClr val="accent1"/>
           </a:fillRef>
           <a:effectRef idx="0">
             <a:schemeClr val="accent1"/>
           </a:effectRef>
           <a:fontRef idx="minor">
-            <a:schemeClr val="lt1"/>
+            <a:schemeClr val="tx1"/>
           </a:fontRef>
         </p:style>
-        <p:txBody>
-          <a:bodyPr rtlCol="0" anchor="ctr"/>
-          <a:lstStyle/>
-          <a:p>
-            <a:pPr algn="ctr"/>
-            <a:r>
-              <a:rPr lang="en-US" dirty="0"/>
-              <a:t>Initial Abundance</a:t>
-            </a:r>
-          </a:p>
-        </p:txBody>
-      </p:sp>
-      <p:sp>
-        <p:nvSpPr>
-          <p:cNvPr id="6" name="Arrow: Left 5">
-            <a:extLst>
-              <a:ext uri="{FF2B5EF4-FFF2-40B4-BE49-F238E27FC236}">
-                <a16:creationId xmlns:a16="http://schemas.microsoft.com/office/drawing/2014/main" id="{6E393014-ECA7-43E3-9D15-D78828F4F9F7}"/>
-              </a:ext>
-            </a:extLst>
-          </p:cNvPr>
-          <p:cNvSpPr/>
+      </p:cxnSp>
+      <p:cxnSp>
+        <p:nvCxnSpPr>
+          <p:cNvPr id="7" name="Straight Connector 6">
+            <a:extLst>
+              <a:ext uri="{FF2B5EF4-FFF2-40B4-BE49-F238E27FC236}">
+                <a16:creationId xmlns:a16="http://schemas.microsoft.com/office/drawing/2014/main" id="{260CEAE3-7783-4545-B401-998E205ADEFA}"/>
+              </a:ext>
+            </a:extLst>
+          </p:cNvPr>
+          <p:cNvCxnSpPr/>
           <p:nvPr/>
-        </p:nvSpPr>
+        </p:nvCxnSpPr>
         <p:spPr>
           <a:xfrm>
-            <a:off x="6494106" y="2850794"/>
-            <a:ext cx="3041780" cy="774441"/>
+            <a:off x="2729948" y="3737113"/>
+            <a:ext cx="0" cy="649357"/>
           </a:xfrm>
-          <a:prstGeom prst="leftArrow">
+          <a:prstGeom prst="line">
             <a:avLst/>
           </a:prstGeom>
         </p:spPr>
         <p:style>
-          <a:lnRef idx="2">
-            <a:schemeClr val="accent1">
-              <a:shade val="50000"/>
-            </a:schemeClr>
+          <a:lnRef idx="1">
+            <a:schemeClr val="accent1"/>
           </a:lnRef>
-          <a:fillRef idx="1">
+          <a:fillRef idx="0">
             <a:schemeClr val="accent1"/>
           </a:fillRef>
           <a:effectRef idx="0">
             <a:schemeClr val="accent1"/>
           </a:effectRef>
           <a:fontRef idx="minor">
-            <a:schemeClr val="lt1"/>
+            <a:schemeClr val="tx1"/>
           </a:fontRef>
         </p:style>
-        <p:txBody>
-          <a:bodyPr rtlCol="0" anchor="ctr"/>
-          <a:lstStyle/>
-          <a:p>
-            <a:pPr algn="ctr"/>
+      </p:cxnSp>
+      <p:cxnSp>
+        <p:nvCxnSpPr>
+          <p:cNvPr id="8" name="Straight Connector 7">
+            <a:extLst>
+              <a:ext uri="{FF2B5EF4-FFF2-40B4-BE49-F238E27FC236}">
+                <a16:creationId xmlns:a16="http://schemas.microsoft.com/office/drawing/2014/main" id="{0D13EDE6-18F2-4E72-B622-A1E4DBBFCE8A}"/>
+              </a:ext>
+            </a:extLst>
+          </p:cNvPr>
+          <p:cNvCxnSpPr/>
+          <p:nvPr/>
+        </p:nvCxnSpPr>
+        <p:spPr>
+          <a:xfrm>
+            <a:off x="5665304" y="3737113"/>
+            <a:ext cx="0" cy="649357"/>
+          </a:xfrm>
+          <a:prstGeom prst="line">
+            <a:avLst/>
+          </a:prstGeom>
+        </p:spPr>
+        <p:style>
+          <a:lnRef idx="1">
+            <a:schemeClr val="accent1"/>
+          </a:lnRef>
+          <a:fillRef idx="0">
+            <a:schemeClr val="accent1"/>
+          </a:fillRef>
+          <a:effectRef idx="0">
+            <a:schemeClr val="accent1"/>
+          </a:effectRef>
+          <a:fontRef idx="minor">
+            <a:schemeClr val="tx1"/>
+          </a:fontRef>
+        </p:style>
+      </p:cxnSp>
+      <p:cxnSp>
+        <p:nvCxnSpPr>
+          <p:cNvPr id="9" name="Straight Connector 8">
+            <a:extLst>
+              <a:ext uri="{FF2B5EF4-FFF2-40B4-BE49-F238E27FC236}">
+                <a16:creationId xmlns:a16="http://schemas.microsoft.com/office/drawing/2014/main" id="{63AA0E91-58B7-4D0A-A68D-681AB523FDED}"/>
+              </a:ext>
+            </a:extLst>
+          </p:cNvPr>
+          <p:cNvCxnSpPr/>
+          <p:nvPr/>
+        </p:nvCxnSpPr>
+        <p:spPr>
+          <a:xfrm>
+            <a:off x="8527774" y="3737113"/>
+            <a:ext cx="0" cy="649357"/>
+          </a:xfrm>
+          <a:prstGeom prst="line">
+            <a:avLst/>
+          </a:prstGeom>
+        </p:spPr>
+        <p:style>
+          <a:lnRef idx="1">
+            <a:schemeClr val="accent1"/>
+          </a:lnRef>
+          <a:fillRef idx="0">
+            <a:schemeClr val="accent1"/>
+          </a:fillRef>
+          <a:effectRef idx="0">
+            <a:schemeClr val="accent1"/>
+          </a:effectRef>
+          <a:fontRef idx="minor">
+            <a:schemeClr val="tx1"/>
+          </a:fontRef>
+        </p:style>
+      </p:cxnSp>
+      <p:sp>
+        <p:nvSpPr>
+          <p:cNvPr id="10" name="TextBox 9">
+            <a:extLst>
+              <a:ext uri="{FF2B5EF4-FFF2-40B4-BE49-F238E27FC236}">
+                <a16:creationId xmlns:a16="http://schemas.microsoft.com/office/drawing/2014/main" id="{CEEDB269-7416-4F47-932E-5E53DF788C55}"/>
+              </a:ext>
+            </a:extLst>
+          </p:cNvPr>
+          <p:cNvSpPr txBox="1"/>
+          <p:nvPr/>
+        </p:nvSpPr>
+        <p:spPr>
+          <a:xfrm>
+            <a:off x="1313622" y="4080810"/>
+            <a:ext cx="940904" cy="369332"/>
+          </a:xfrm>
+          <a:prstGeom prst="rect">
+            <a:avLst/>
+          </a:prstGeom>
+          <a:noFill/>
+        </p:spPr>
+        <p:txBody>
+          <a:bodyPr wrap="square" rtlCol="0">
+            <a:spAutoFit/>
+          </a:bodyPr>
+          <a:lstStyle/>
+          <a:p>
             <a:r>
               <a:rPr lang="en-US" dirty="0"/>
-              <a:t># Surviving</a:t>
-            </a:r>
-          </a:p>
-        </p:txBody>
-      </p:sp>
+              <a:t>Min 1-3</a:t>
+            </a:r>
+          </a:p>
+        </p:txBody>
+      </p:sp>
+      <p:sp>
+        <p:nvSpPr>
+          <p:cNvPr id="11" name="TextBox 10">
+            <a:extLst>
+              <a:ext uri="{FF2B5EF4-FFF2-40B4-BE49-F238E27FC236}">
+                <a16:creationId xmlns:a16="http://schemas.microsoft.com/office/drawing/2014/main" id="{DBB50EF3-4C42-43A2-B891-CF225E4528DE}"/>
+              </a:ext>
+            </a:extLst>
+          </p:cNvPr>
+          <p:cNvSpPr txBox="1"/>
+          <p:nvPr/>
+        </p:nvSpPr>
+        <p:spPr>
+          <a:xfrm>
+            <a:off x="3690731" y="4080810"/>
+            <a:ext cx="940904" cy="369332"/>
+          </a:xfrm>
+          <a:prstGeom prst="rect">
+            <a:avLst/>
+          </a:prstGeom>
+          <a:noFill/>
+        </p:spPr>
+        <p:txBody>
+          <a:bodyPr wrap="square" rtlCol="0">
+            <a:spAutoFit/>
+          </a:bodyPr>
+          <a:lstStyle/>
+          <a:p>
+            <a:r>
+              <a:rPr lang="en-US" dirty="0"/>
+              <a:t>Min 4-6</a:t>
+            </a:r>
+          </a:p>
+        </p:txBody>
+      </p:sp>
+      <p:sp>
+        <p:nvSpPr>
+          <p:cNvPr id="12" name="TextBox 11">
+            <a:extLst>
+              <a:ext uri="{FF2B5EF4-FFF2-40B4-BE49-F238E27FC236}">
+                <a16:creationId xmlns:a16="http://schemas.microsoft.com/office/drawing/2014/main" id="{A8142338-40E3-421C-B5A7-07D9EC839F69}"/>
+              </a:ext>
+            </a:extLst>
+          </p:cNvPr>
+          <p:cNvSpPr txBox="1"/>
+          <p:nvPr/>
+        </p:nvSpPr>
+        <p:spPr>
+          <a:xfrm>
+            <a:off x="6626087" y="4080810"/>
+            <a:ext cx="940904" cy="369332"/>
+          </a:xfrm>
+          <a:prstGeom prst="rect">
+            <a:avLst/>
+          </a:prstGeom>
+          <a:noFill/>
+        </p:spPr>
+        <p:txBody>
+          <a:bodyPr wrap="square" rtlCol="0">
+            <a:spAutoFit/>
+          </a:bodyPr>
+          <a:lstStyle/>
+          <a:p>
+            <a:r>
+              <a:rPr lang="en-US" dirty="0"/>
+              <a:t>Min 7-9</a:t>
+            </a:r>
+          </a:p>
+        </p:txBody>
+      </p:sp>
+      <p:sp>
+        <p:nvSpPr>
+          <p:cNvPr id="13" name="TextBox 12">
+            <a:extLst>
+              <a:ext uri="{FF2B5EF4-FFF2-40B4-BE49-F238E27FC236}">
+                <a16:creationId xmlns:a16="http://schemas.microsoft.com/office/drawing/2014/main" id="{3E1D14CF-6C0E-4666-934B-0B336FFEC28B}"/>
+              </a:ext>
+            </a:extLst>
+          </p:cNvPr>
+          <p:cNvSpPr txBox="1"/>
+          <p:nvPr/>
+        </p:nvSpPr>
+        <p:spPr>
+          <a:xfrm>
+            <a:off x="9561442" y="4080810"/>
+            <a:ext cx="1027035" cy="369332"/>
+          </a:xfrm>
+          <a:prstGeom prst="rect">
+            <a:avLst/>
+          </a:prstGeom>
+          <a:noFill/>
+        </p:spPr>
+        <p:txBody>
+          <a:bodyPr wrap="square" rtlCol="0">
+            <a:spAutoFit/>
+          </a:bodyPr>
+          <a:lstStyle/>
+          <a:p>
+            <a:r>
+              <a:rPr lang="en-US" dirty="0"/>
+              <a:t>Min 9-11</a:t>
+            </a:r>
+          </a:p>
+        </p:txBody>
+      </p:sp>
+      <p:pic>
+        <p:nvPicPr>
+          <p:cNvPr id="15" name="Graphic 14" descr="Sparrow">
+            <a:extLst>
+              <a:ext uri="{FF2B5EF4-FFF2-40B4-BE49-F238E27FC236}">
+                <a16:creationId xmlns:a16="http://schemas.microsoft.com/office/drawing/2014/main" id="{61945163-F382-4777-855C-830C25EE49FF}"/>
+              </a:ext>
+            </a:extLst>
+          </p:cNvPr>
+          <p:cNvPicPr>
+            <a:picLocks noChangeAspect="1"/>
+          </p:cNvPicPr>
+          <p:nvPr/>
+        </p:nvPicPr>
+        <p:blipFill>
+          <a:blip r:embed="rId2">
+            <a:extLst>
+              <a:ext uri="{28A0092B-C50C-407E-A947-70E740481C1C}">
+                <a14:useLocalDpi xmlns:a14="http://schemas.microsoft.com/office/drawing/2010/main" val="0"/>
+              </a:ext>
+              <a:ext uri="{96DAC541-7B7A-43D3-8B79-37D633B846F1}">
+                <asvg:svgBlip xmlns:asvg="http://schemas.microsoft.com/office/drawing/2016/SVG/main" r:embed="rId3"/>
+              </a:ext>
+            </a:extLst>
+          </a:blip>
+          <a:stretch>
+            <a:fillRect/>
+          </a:stretch>
+        </p:blipFill>
+        <p:spPr>
+          <a:xfrm>
+            <a:off x="899491" y="3276635"/>
+            <a:ext cx="589722" cy="589722"/>
+          </a:xfrm>
+          <a:prstGeom prst="rect">
+            <a:avLst/>
+          </a:prstGeom>
+        </p:spPr>
+      </p:pic>
+      <p:pic>
+        <p:nvPicPr>
+          <p:cNvPr id="16" name="Graphic 15" descr="Sparrow">
+            <a:extLst>
+              <a:ext uri="{FF2B5EF4-FFF2-40B4-BE49-F238E27FC236}">
+                <a16:creationId xmlns:a16="http://schemas.microsoft.com/office/drawing/2014/main" id="{34714E67-023E-4159-8251-8B042241D27E}"/>
+              </a:ext>
+            </a:extLst>
+          </p:cNvPr>
+          <p:cNvPicPr>
+            <a:picLocks noChangeAspect="1"/>
+          </p:cNvPicPr>
+          <p:nvPr/>
+        </p:nvPicPr>
+        <p:blipFill>
+          <a:blip r:embed="rId4">
+            <a:extLst>
+              <a:ext uri="{28A0092B-C50C-407E-A947-70E740481C1C}">
+                <a14:useLocalDpi xmlns:a14="http://schemas.microsoft.com/office/drawing/2010/main" val="0"/>
+              </a:ext>
+              <a:ext uri="{96DAC541-7B7A-43D3-8B79-37D633B846F1}">
+                <asvg:svgBlip xmlns:asvg="http://schemas.microsoft.com/office/drawing/2016/SVG/main" r:embed="rId5"/>
+              </a:ext>
+            </a:extLst>
+          </a:blip>
+          <a:stretch>
+            <a:fillRect/>
+          </a:stretch>
+        </p:blipFill>
+        <p:spPr>
+          <a:xfrm>
+            <a:off x="1269723" y="3411572"/>
+            <a:ext cx="589722" cy="589722"/>
+          </a:xfrm>
+          <a:prstGeom prst="rect">
+            <a:avLst/>
+          </a:prstGeom>
+        </p:spPr>
+      </p:pic>
+      <p:pic>
+        <p:nvPicPr>
+          <p:cNvPr id="17" name="Graphic 16" descr="Sparrow">
+            <a:extLst>
+              <a:ext uri="{FF2B5EF4-FFF2-40B4-BE49-F238E27FC236}">
+                <a16:creationId xmlns:a16="http://schemas.microsoft.com/office/drawing/2014/main" id="{AF4BF25D-7A98-4436-BCB0-E66774F68540}"/>
+              </a:ext>
+            </a:extLst>
+          </p:cNvPr>
+          <p:cNvPicPr>
+            <a:picLocks noChangeAspect="1"/>
+          </p:cNvPicPr>
+          <p:nvPr/>
+        </p:nvPicPr>
+        <p:blipFill>
+          <a:blip r:embed="rId6">
+            <a:extLst>
+              <a:ext uri="{28A0092B-C50C-407E-A947-70E740481C1C}">
+                <a14:useLocalDpi xmlns:a14="http://schemas.microsoft.com/office/drawing/2010/main" val="0"/>
+              </a:ext>
+              <a:ext uri="{96DAC541-7B7A-43D3-8B79-37D633B846F1}">
+                <asvg:svgBlip xmlns:asvg="http://schemas.microsoft.com/office/drawing/2016/SVG/main" r:embed="rId7"/>
+              </a:ext>
+            </a:extLst>
+          </a:blip>
+          <a:stretch>
+            <a:fillRect/>
+          </a:stretch>
+        </p:blipFill>
+        <p:spPr>
+          <a:xfrm>
+            <a:off x="6331226" y="3332057"/>
+            <a:ext cx="589722" cy="589722"/>
+          </a:xfrm>
+          <a:prstGeom prst="rect">
+            <a:avLst/>
+          </a:prstGeom>
+        </p:spPr>
+      </p:pic>
+      <p:pic>
+        <p:nvPicPr>
+          <p:cNvPr id="18" name="Graphic 17" descr="Sparrow">
+            <a:extLst>
+              <a:ext uri="{FF2B5EF4-FFF2-40B4-BE49-F238E27FC236}">
+                <a16:creationId xmlns:a16="http://schemas.microsoft.com/office/drawing/2014/main" id="{BFAA6B28-1A12-447D-B1F7-EABF87ADBB67}"/>
+              </a:ext>
+            </a:extLst>
+          </p:cNvPr>
+          <p:cNvPicPr>
+            <a:picLocks noChangeAspect="1"/>
+          </p:cNvPicPr>
+          <p:nvPr/>
+        </p:nvPicPr>
+        <p:blipFill>
+          <a:blip r:embed="rId4">
+            <a:extLst>
+              <a:ext uri="{28A0092B-C50C-407E-A947-70E740481C1C}">
+                <a14:useLocalDpi xmlns:a14="http://schemas.microsoft.com/office/drawing/2010/main" val="0"/>
+              </a:ext>
+              <a:ext uri="{96DAC541-7B7A-43D3-8B79-37D633B846F1}">
+                <asvg:svgBlip xmlns:asvg="http://schemas.microsoft.com/office/drawing/2016/SVG/main" r:embed="rId5"/>
+              </a:ext>
+            </a:extLst>
+          </a:blip>
+          <a:stretch>
+            <a:fillRect/>
+          </a:stretch>
+        </p:blipFill>
+        <p:spPr>
+          <a:xfrm>
+            <a:off x="6698973" y="3466994"/>
+            <a:ext cx="589722" cy="589722"/>
+          </a:xfrm>
+          <a:prstGeom prst="rect">
+            <a:avLst/>
+          </a:prstGeom>
+        </p:spPr>
+      </p:pic>
     </p:spTree>
     <p:extLst>
       <p:ext uri="{BB962C8B-B14F-4D97-AF65-F5344CB8AC3E}">
-        <p14:creationId xmlns:p14="http://schemas.microsoft.com/office/powerpoint/2010/main" val="3183909744"/>
+        <p14:creationId xmlns:p14="http://schemas.microsoft.com/office/powerpoint/2010/main" val="3213392575"/>
       </p:ext>
     </p:extLst>
   </p:cSld>
